--- a/Doc/Code Convention.pptx
+++ b/Doc/Code Convention.pptx
@@ -2,7 +2,7 @@
 <file path=ppt/presentation.xml><?xml version="1.0" encoding="utf-8"?>
 <p:presentation xmlns:a="http://schemas.openxmlformats.org/drawingml/2006/main" xmlns:r="http://schemas.openxmlformats.org/officeDocument/2006/relationships" xmlns:p="http://schemas.openxmlformats.org/presentationml/2006/main" saveSubsetFonts="1" autoCompressPictures="0">
   <p:sldMasterIdLst>
-    <p:sldMasterId id="2147483648" r:id="rId1"/>
+    <p:sldMasterId id="2147483672" r:id="rId1"/>
   </p:sldMasterIdLst>
   <p:sldIdLst>
     <p:sldId id="256" r:id="rId2"/>
@@ -113,6 +113,11 @@
       </a:defRPr>
     </a:lvl9pPr>
   </p:defaultTextStyle>
+  <p:extLst>
+    <p:ext uri="{EFAFB233-063F-42B5-8137-9DF3F51BA10A}">
+      <p15:sldGuideLst xmlns:p15="http://schemas.microsoft.com/office/powerpoint/2012/main"/>
+    </p:ext>
+  </p:extLst>
 </p:presentation>
 </file>
 
@@ -135,13 +140,7 @@
       </p:grpSpPr>
       <p:sp>
         <p:nvSpPr>
-          <p:cNvPr id="2" name="제목 1">
-            <a:extLst>
-              <a:ext uri="{FF2B5EF4-FFF2-40B4-BE49-F238E27FC236}">
-                <a16:creationId xmlns:a16="http://schemas.microsoft.com/office/drawing/2014/main" id="{4921DEA9-B184-CD47-BDAB-7C4B4991F2F3}"/>
-              </a:ext>
-            </a:extLst>
-          </p:cNvPr>
+          <p:cNvPr id="2" name="Title 1"/>
           <p:cNvSpPr>
             <a:spLocks noGrp="1"/>
           </p:cNvSpPr>
@@ -164,21 +163,16 @@
           </a:lstStyle>
           <a:p>
             <a:r>
-              <a:rPr kumimoji="1" lang="ko-KR" altLang="en-US"/>
+              <a:rPr lang="ko-KR" altLang="en-US" smtClean="0"/>
               <a:t>마스터 제목 스타일 편집</a:t>
             </a:r>
-          </a:p>
-        </p:txBody>
-      </p:sp>
-      <p:sp>
-        <p:nvSpPr>
-          <p:cNvPr id="3" name="부제목 2">
-            <a:extLst>
-              <a:ext uri="{FF2B5EF4-FFF2-40B4-BE49-F238E27FC236}">
-                <a16:creationId xmlns:a16="http://schemas.microsoft.com/office/drawing/2014/main" id="{EF41A06F-C1DD-E846-A09F-EF72606DB83F}"/>
-              </a:ext>
-            </a:extLst>
-          </p:cNvPr>
+            <a:endParaRPr lang="en-US" dirty="0"/>
+          </a:p>
+        </p:txBody>
+      </p:sp>
+      <p:sp>
+        <p:nvSpPr>
+          <p:cNvPr id="3" name="Subtitle 2"/>
           <p:cNvSpPr>
             <a:spLocks noGrp="1"/>
           </p:cNvSpPr>
@@ -234,21 +228,16 @@
           </a:lstStyle>
           <a:p>
             <a:r>
-              <a:rPr kumimoji="1" lang="ko-KR" altLang="en-US"/>
-              <a:t>클릭하여 마스터 부제목 스타일 편집</a:t>
-            </a:r>
-          </a:p>
-        </p:txBody>
-      </p:sp>
-      <p:sp>
-        <p:nvSpPr>
-          <p:cNvPr id="4" name="날짜 개체 틀 3">
-            <a:extLst>
-              <a:ext uri="{FF2B5EF4-FFF2-40B4-BE49-F238E27FC236}">
-                <a16:creationId xmlns:a16="http://schemas.microsoft.com/office/drawing/2014/main" id="{A1EE3F96-E149-0A48-8F8B-47025DADC311}"/>
-              </a:ext>
-            </a:extLst>
-          </p:cNvPr>
+              <a:rPr lang="ko-KR" altLang="en-US" smtClean="0"/>
+              <a:t>마스터 부제목 스타일 편집</a:t>
+            </a:r>
+            <a:endParaRPr lang="en-US" dirty="0"/>
+          </a:p>
+        </p:txBody>
+      </p:sp>
+      <p:sp>
+        <p:nvSpPr>
+          <p:cNvPr id="4" name="Date Placeholder 3"/>
           <p:cNvSpPr>
             <a:spLocks noGrp="1"/>
           </p:cNvSpPr>
@@ -263,7 +252,7 @@
           <a:p>
             <a:fld id="{5C093640-DB8C-2442-B3A8-D7D1BA278563}" type="datetimeFigureOut">
               <a:rPr kumimoji="1" lang="ko-KR" altLang="en-US" smtClean="0"/>
-              <a:t>2022. 1. 27.</a:t>
+              <a:t>2022-02-03</a:t>
             </a:fld>
             <a:endParaRPr kumimoji="1" lang="ko-KR" altLang="en-US"/>
           </a:p>
@@ -271,13 +260,7 @@
       </p:sp>
       <p:sp>
         <p:nvSpPr>
-          <p:cNvPr id="5" name="바닥글 개체 틀 4">
-            <a:extLst>
-              <a:ext uri="{FF2B5EF4-FFF2-40B4-BE49-F238E27FC236}">
-                <a16:creationId xmlns:a16="http://schemas.microsoft.com/office/drawing/2014/main" id="{62FDFFD7-B425-B647-A7C5-3AB9A70428B2}"/>
-              </a:ext>
-            </a:extLst>
-          </p:cNvPr>
+          <p:cNvPr id="5" name="Footer Placeholder 4"/>
           <p:cNvSpPr>
             <a:spLocks noGrp="1"/>
           </p:cNvSpPr>
@@ -296,13 +279,7 @@
       </p:sp>
       <p:sp>
         <p:nvSpPr>
-          <p:cNvPr id="6" name="슬라이드 번호 개체 틀 5">
-            <a:extLst>
-              <a:ext uri="{FF2B5EF4-FFF2-40B4-BE49-F238E27FC236}">
-                <a16:creationId xmlns:a16="http://schemas.microsoft.com/office/drawing/2014/main" id="{A5EF50E6-7078-2B43-8C0E-8F3C3DFC6B73}"/>
-              </a:ext>
-            </a:extLst>
-          </p:cNvPr>
+          <p:cNvPr id="6" name="Slide Number Placeholder 5"/>
           <p:cNvSpPr>
             <a:spLocks noGrp="1"/>
           </p:cNvSpPr>
@@ -326,7 +303,7 @@
     </p:spTree>
     <p:extLst>
       <p:ext uri="{BB962C8B-B14F-4D97-AF65-F5344CB8AC3E}">
-        <p14:creationId xmlns:p14="http://schemas.microsoft.com/office/powerpoint/2010/main" val="361305638"/>
+        <p14:creationId xmlns:p14="http://schemas.microsoft.com/office/powerpoint/2010/main" val="1169950648"/>
       </p:ext>
     </p:extLst>
   </p:cSld>
@@ -355,13 +332,7 @@
       </p:grpSpPr>
       <p:sp>
         <p:nvSpPr>
-          <p:cNvPr id="2" name="제목 1">
-            <a:extLst>
-              <a:ext uri="{FF2B5EF4-FFF2-40B4-BE49-F238E27FC236}">
-                <a16:creationId xmlns:a16="http://schemas.microsoft.com/office/drawing/2014/main" id="{B22C3032-794A-C641-A279-D7E792CE21E3}"/>
-              </a:ext>
-            </a:extLst>
-          </p:cNvPr>
+          <p:cNvPr id="2" name="Title 1"/>
           <p:cNvSpPr>
             <a:spLocks noGrp="1"/>
           </p:cNvSpPr>
@@ -375,21 +346,16 @@
           <a:lstStyle/>
           <a:p>
             <a:r>
-              <a:rPr kumimoji="1" lang="ko-KR" altLang="en-US"/>
+              <a:rPr lang="ko-KR" altLang="en-US" smtClean="0"/>
               <a:t>마스터 제목 스타일 편집</a:t>
             </a:r>
-          </a:p>
-        </p:txBody>
-      </p:sp>
-      <p:sp>
-        <p:nvSpPr>
-          <p:cNvPr id="3" name="세로 텍스트 개체 틀 2">
-            <a:extLst>
-              <a:ext uri="{FF2B5EF4-FFF2-40B4-BE49-F238E27FC236}">
-                <a16:creationId xmlns:a16="http://schemas.microsoft.com/office/drawing/2014/main" id="{EAB1E842-E5CF-9940-90F7-DABE0EA6C37B}"/>
-              </a:ext>
-            </a:extLst>
-          </p:cNvPr>
+            <a:endParaRPr lang="en-US" dirty="0"/>
+          </a:p>
+        </p:txBody>
+      </p:sp>
+      <p:sp>
+        <p:nvSpPr>
+          <p:cNvPr id="3" name="Vertical Text Placeholder 2"/>
           <p:cNvSpPr>
             <a:spLocks noGrp="1"/>
           </p:cNvSpPr>
@@ -404,49 +370,44 @@
           <a:p>
             <a:pPr lvl="0"/>
             <a:r>
-              <a:rPr kumimoji="1" lang="ko-KR" altLang="en-US"/>
-              <a:t>마스터 텍스트 스타일을 편집하려면 클릭</a:t>
+              <a:rPr lang="ko-KR" altLang="en-US" smtClean="0"/>
+              <a:t>마스터 텍스트 스타일을 편집합니다</a:t>
             </a:r>
           </a:p>
           <a:p>
             <a:pPr lvl="1"/>
             <a:r>
-              <a:rPr kumimoji="1" lang="ko-KR" altLang="en-US"/>
-              <a:t>두 번째 수준</a:t>
+              <a:rPr lang="ko-KR" altLang="en-US" smtClean="0"/>
+              <a:t>둘째 수준</a:t>
             </a:r>
           </a:p>
           <a:p>
             <a:pPr lvl="2"/>
             <a:r>
-              <a:rPr kumimoji="1" lang="ko-KR" altLang="en-US"/>
-              <a:t>세 번째 수준</a:t>
+              <a:rPr lang="ko-KR" altLang="en-US" smtClean="0"/>
+              <a:t>셋째 수준</a:t>
             </a:r>
           </a:p>
           <a:p>
             <a:pPr lvl="3"/>
             <a:r>
-              <a:rPr kumimoji="1" lang="ko-KR" altLang="en-US"/>
-              <a:t>네 번째 수준</a:t>
+              <a:rPr lang="ko-KR" altLang="en-US" smtClean="0"/>
+              <a:t>넷째 수준</a:t>
             </a:r>
           </a:p>
           <a:p>
             <a:pPr lvl="4"/>
             <a:r>
-              <a:rPr kumimoji="1" lang="ko-KR" altLang="en-US"/>
-              <a:t>다섯 번째 수준</a:t>
-            </a:r>
-          </a:p>
-        </p:txBody>
-      </p:sp>
-      <p:sp>
-        <p:nvSpPr>
-          <p:cNvPr id="4" name="날짜 개체 틀 3">
-            <a:extLst>
-              <a:ext uri="{FF2B5EF4-FFF2-40B4-BE49-F238E27FC236}">
-                <a16:creationId xmlns:a16="http://schemas.microsoft.com/office/drawing/2014/main" id="{9FAD6756-3254-624F-BFB4-073829FDDC5C}"/>
-              </a:ext>
-            </a:extLst>
-          </p:cNvPr>
+              <a:rPr lang="ko-KR" altLang="en-US" smtClean="0"/>
+              <a:t>다섯째 수준</a:t>
+            </a:r>
+            <a:endParaRPr lang="en-US" dirty="0"/>
+          </a:p>
+        </p:txBody>
+      </p:sp>
+      <p:sp>
+        <p:nvSpPr>
+          <p:cNvPr id="4" name="Date Placeholder 3"/>
           <p:cNvSpPr>
             <a:spLocks noGrp="1"/>
           </p:cNvSpPr>
@@ -461,7 +422,7 @@
           <a:p>
             <a:fld id="{5C093640-DB8C-2442-B3A8-D7D1BA278563}" type="datetimeFigureOut">
               <a:rPr kumimoji="1" lang="ko-KR" altLang="en-US" smtClean="0"/>
-              <a:t>2022. 1. 27.</a:t>
+              <a:t>2022-02-03</a:t>
             </a:fld>
             <a:endParaRPr kumimoji="1" lang="ko-KR" altLang="en-US"/>
           </a:p>
@@ -469,13 +430,7 @@
       </p:sp>
       <p:sp>
         <p:nvSpPr>
-          <p:cNvPr id="5" name="바닥글 개체 틀 4">
-            <a:extLst>
-              <a:ext uri="{FF2B5EF4-FFF2-40B4-BE49-F238E27FC236}">
-                <a16:creationId xmlns:a16="http://schemas.microsoft.com/office/drawing/2014/main" id="{B2DC6B11-0186-8A48-B36A-DC2283DF7941}"/>
-              </a:ext>
-            </a:extLst>
-          </p:cNvPr>
+          <p:cNvPr id="5" name="Footer Placeholder 4"/>
           <p:cNvSpPr>
             <a:spLocks noGrp="1"/>
           </p:cNvSpPr>
@@ -494,13 +449,7 @@
       </p:sp>
       <p:sp>
         <p:nvSpPr>
-          <p:cNvPr id="6" name="슬라이드 번호 개체 틀 5">
-            <a:extLst>
-              <a:ext uri="{FF2B5EF4-FFF2-40B4-BE49-F238E27FC236}">
-                <a16:creationId xmlns:a16="http://schemas.microsoft.com/office/drawing/2014/main" id="{3D10E854-F530-3244-A71B-BEE7FD3B2615}"/>
-              </a:ext>
-            </a:extLst>
-          </p:cNvPr>
+          <p:cNvPr id="6" name="Slide Number Placeholder 5"/>
           <p:cNvSpPr>
             <a:spLocks noGrp="1"/>
           </p:cNvSpPr>
@@ -524,7 +473,7 @@
     </p:spTree>
     <p:extLst>
       <p:ext uri="{BB962C8B-B14F-4D97-AF65-F5344CB8AC3E}">
-        <p14:creationId xmlns:p14="http://schemas.microsoft.com/office/powerpoint/2010/main" val="905443986"/>
+        <p14:creationId xmlns:p14="http://schemas.microsoft.com/office/powerpoint/2010/main" val="2823515888"/>
       </p:ext>
     </p:extLst>
   </p:cSld>
@@ -553,13 +502,7 @@
       </p:grpSpPr>
       <p:sp>
         <p:nvSpPr>
-          <p:cNvPr id="2" name="세로 제목 1">
-            <a:extLst>
-              <a:ext uri="{FF2B5EF4-FFF2-40B4-BE49-F238E27FC236}">
-                <a16:creationId xmlns:a16="http://schemas.microsoft.com/office/drawing/2014/main" id="{52FDAC44-BFCC-6242-86A2-73330B749D7E}"/>
-              </a:ext>
-            </a:extLst>
-          </p:cNvPr>
+          <p:cNvPr id="2" name="Vertical Title 1"/>
           <p:cNvSpPr>
             <a:spLocks noGrp="1"/>
           </p:cNvSpPr>
@@ -578,21 +521,16 @@
           <a:lstStyle/>
           <a:p>
             <a:r>
-              <a:rPr kumimoji="1" lang="ko-KR" altLang="en-US"/>
+              <a:rPr lang="ko-KR" altLang="en-US" smtClean="0"/>
               <a:t>마스터 제목 스타일 편집</a:t>
             </a:r>
-          </a:p>
-        </p:txBody>
-      </p:sp>
-      <p:sp>
-        <p:nvSpPr>
-          <p:cNvPr id="3" name="세로 텍스트 개체 틀 2">
-            <a:extLst>
-              <a:ext uri="{FF2B5EF4-FFF2-40B4-BE49-F238E27FC236}">
-                <a16:creationId xmlns:a16="http://schemas.microsoft.com/office/drawing/2014/main" id="{636C5571-7AE2-F74E-8936-1917428D4A83}"/>
-              </a:ext>
-            </a:extLst>
-          </p:cNvPr>
+            <a:endParaRPr lang="en-US" dirty="0"/>
+          </a:p>
+        </p:txBody>
+      </p:sp>
+      <p:sp>
+        <p:nvSpPr>
+          <p:cNvPr id="3" name="Vertical Text Placeholder 2"/>
           <p:cNvSpPr>
             <a:spLocks noGrp="1"/>
           </p:cNvSpPr>
@@ -612,49 +550,44 @@
           <a:p>
             <a:pPr lvl="0"/>
             <a:r>
-              <a:rPr kumimoji="1" lang="ko-KR" altLang="en-US"/>
-              <a:t>마스터 텍스트 스타일을 편집하려면 클릭</a:t>
+              <a:rPr lang="ko-KR" altLang="en-US" smtClean="0"/>
+              <a:t>마스터 텍스트 스타일을 편집합니다</a:t>
             </a:r>
           </a:p>
           <a:p>
             <a:pPr lvl="1"/>
             <a:r>
-              <a:rPr kumimoji="1" lang="ko-KR" altLang="en-US"/>
-              <a:t>두 번째 수준</a:t>
+              <a:rPr lang="ko-KR" altLang="en-US" smtClean="0"/>
+              <a:t>둘째 수준</a:t>
             </a:r>
           </a:p>
           <a:p>
             <a:pPr lvl="2"/>
             <a:r>
-              <a:rPr kumimoji="1" lang="ko-KR" altLang="en-US"/>
-              <a:t>세 번째 수준</a:t>
+              <a:rPr lang="ko-KR" altLang="en-US" smtClean="0"/>
+              <a:t>셋째 수준</a:t>
             </a:r>
           </a:p>
           <a:p>
             <a:pPr lvl="3"/>
             <a:r>
-              <a:rPr kumimoji="1" lang="ko-KR" altLang="en-US"/>
-              <a:t>네 번째 수준</a:t>
+              <a:rPr lang="ko-KR" altLang="en-US" smtClean="0"/>
+              <a:t>넷째 수준</a:t>
             </a:r>
           </a:p>
           <a:p>
             <a:pPr lvl="4"/>
             <a:r>
-              <a:rPr kumimoji="1" lang="ko-KR" altLang="en-US"/>
-              <a:t>다섯 번째 수준</a:t>
-            </a:r>
-          </a:p>
-        </p:txBody>
-      </p:sp>
-      <p:sp>
-        <p:nvSpPr>
-          <p:cNvPr id="4" name="날짜 개체 틀 3">
-            <a:extLst>
-              <a:ext uri="{FF2B5EF4-FFF2-40B4-BE49-F238E27FC236}">
-                <a16:creationId xmlns:a16="http://schemas.microsoft.com/office/drawing/2014/main" id="{652D2A17-5E1A-D14A-BEFE-C6E0D4D93A80}"/>
-              </a:ext>
-            </a:extLst>
-          </p:cNvPr>
+              <a:rPr lang="ko-KR" altLang="en-US" smtClean="0"/>
+              <a:t>다섯째 수준</a:t>
+            </a:r>
+            <a:endParaRPr lang="en-US" dirty="0"/>
+          </a:p>
+        </p:txBody>
+      </p:sp>
+      <p:sp>
+        <p:nvSpPr>
+          <p:cNvPr id="4" name="Date Placeholder 3"/>
           <p:cNvSpPr>
             <a:spLocks noGrp="1"/>
           </p:cNvSpPr>
@@ -669,7 +602,7 @@
           <a:p>
             <a:fld id="{5C093640-DB8C-2442-B3A8-D7D1BA278563}" type="datetimeFigureOut">
               <a:rPr kumimoji="1" lang="ko-KR" altLang="en-US" smtClean="0"/>
-              <a:t>2022. 1. 27.</a:t>
+              <a:t>2022-02-03</a:t>
             </a:fld>
             <a:endParaRPr kumimoji="1" lang="ko-KR" altLang="en-US"/>
           </a:p>
@@ -677,13 +610,7 @@
       </p:sp>
       <p:sp>
         <p:nvSpPr>
-          <p:cNvPr id="5" name="바닥글 개체 틀 4">
-            <a:extLst>
-              <a:ext uri="{FF2B5EF4-FFF2-40B4-BE49-F238E27FC236}">
-                <a16:creationId xmlns:a16="http://schemas.microsoft.com/office/drawing/2014/main" id="{5F5B1C2E-BBF5-7941-B039-CDD52C7B5F58}"/>
-              </a:ext>
-            </a:extLst>
-          </p:cNvPr>
+          <p:cNvPr id="5" name="Footer Placeholder 4"/>
           <p:cNvSpPr>
             <a:spLocks noGrp="1"/>
           </p:cNvSpPr>
@@ -702,13 +629,7 @@
       </p:sp>
       <p:sp>
         <p:nvSpPr>
-          <p:cNvPr id="6" name="슬라이드 번호 개체 틀 5">
-            <a:extLst>
-              <a:ext uri="{FF2B5EF4-FFF2-40B4-BE49-F238E27FC236}">
-                <a16:creationId xmlns:a16="http://schemas.microsoft.com/office/drawing/2014/main" id="{34F6805E-2CD6-654D-B500-CB0184999788}"/>
-              </a:ext>
-            </a:extLst>
-          </p:cNvPr>
+          <p:cNvPr id="6" name="Slide Number Placeholder 5"/>
           <p:cNvSpPr>
             <a:spLocks noGrp="1"/>
           </p:cNvSpPr>
@@ -732,7 +653,7 @@
     </p:spTree>
     <p:extLst>
       <p:ext uri="{BB962C8B-B14F-4D97-AF65-F5344CB8AC3E}">
-        <p14:creationId xmlns:p14="http://schemas.microsoft.com/office/powerpoint/2010/main" val="1356051045"/>
+        <p14:creationId xmlns:p14="http://schemas.microsoft.com/office/powerpoint/2010/main" val="1435682366"/>
       </p:ext>
     </p:extLst>
   </p:cSld>
@@ -761,13 +682,7 @@
       </p:grpSpPr>
       <p:sp>
         <p:nvSpPr>
-          <p:cNvPr id="2" name="제목 1">
-            <a:extLst>
-              <a:ext uri="{FF2B5EF4-FFF2-40B4-BE49-F238E27FC236}">
-                <a16:creationId xmlns:a16="http://schemas.microsoft.com/office/drawing/2014/main" id="{74F8DAFC-9DFF-2543-9641-55A80F4FB6C8}"/>
-              </a:ext>
-            </a:extLst>
-          </p:cNvPr>
+          <p:cNvPr id="2" name="Title 1"/>
           <p:cNvSpPr>
             <a:spLocks noGrp="1"/>
           </p:cNvSpPr>
@@ -781,21 +696,16 @@
           <a:lstStyle/>
           <a:p>
             <a:r>
-              <a:rPr kumimoji="1" lang="ko-KR" altLang="en-US"/>
+              <a:rPr lang="ko-KR" altLang="en-US" smtClean="0"/>
               <a:t>마스터 제목 스타일 편집</a:t>
             </a:r>
-          </a:p>
-        </p:txBody>
-      </p:sp>
-      <p:sp>
-        <p:nvSpPr>
-          <p:cNvPr id="3" name="내용 개체 틀 2">
-            <a:extLst>
-              <a:ext uri="{FF2B5EF4-FFF2-40B4-BE49-F238E27FC236}">
-                <a16:creationId xmlns:a16="http://schemas.microsoft.com/office/drawing/2014/main" id="{021FE0C2-9B96-FA40-A000-016F71EBED13}"/>
-              </a:ext>
-            </a:extLst>
-          </p:cNvPr>
+            <a:endParaRPr lang="en-US" dirty="0"/>
+          </a:p>
+        </p:txBody>
+      </p:sp>
+      <p:sp>
+        <p:nvSpPr>
+          <p:cNvPr id="3" name="Content Placeholder 2"/>
           <p:cNvSpPr>
             <a:spLocks noGrp="1"/>
           </p:cNvSpPr>
@@ -810,49 +720,44 @@
           <a:p>
             <a:pPr lvl="0"/>
             <a:r>
-              <a:rPr kumimoji="1" lang="ko-KR" altLang="en-US"/>
-              <a:t>마스터 텍스트 스타일을 편집하려면 클릭</a:t>
+              <a:rPr lang="ko-KR" altLang="en-US" smtClean="0"/>
+              <a:t>마스터 텍스트 스타일을 편집합니다</a:t>
             </a:r>
           </a:p>
           <a:p>
             <a:pPr lvl="1"/>
             <a:r>
-              <a:rPr kumimoji="1" lang="ko-KR" altLang="en-US"/>
-              <a:t>두 번째 수준</a:t>
+              <a:rPr lang="ko-KR" altLang="en-US" smtClean="0"/>
+              <a:t>둘째 수준</a:t>
             </a:r>
           </a:p>
           <a:p>
             <a:pPr lvl="2"/>
             <a:r>
-              <a:rPr kumimoji="1" lang="ko-KR" altLang="en-US"/>
-              <a:t>세 번째 수준</a:t>
+              <a:rPr lang="ko-KR" altLang="en-US" smtClean="0"/>
+              <a:t>셋째 수준</a:t>
             </a:r>
           </a:p>
           <a:p>
             <a:pPr lvl="3"/>
             <a:r>
-              <a:rPr kumimoji="1" lang="ko-KR" altLang="en-US"/>
-              <a:t>네 번째 수준</a:t>
+              <a:rPr lang="ko-KR" altLang="en-US" smtClean="0"/>
+              <a:t>넷째 수준</a:t>
             </a:r>
           </a:p>
           <a:p>
             <a:pPr lvl="4"/>
             <a:r>
-              <a:rPr kumimoji="1" lang="ko-KR" altLang="en-US"/>
-              <a:t>다섯 번째 수준</a:t>
-            </a:r>
-          </a:p>
-        </p:txBody>
-      </p:sp>
-      <p:sp>
-        <p:nvSpPr>
-          <p:cNvPr id="4" name="날짜 개체 틀 3">
-            <a:extLst>
-              <a:ext uri="{FF2B5EF4-FFF2-40B4-BE49-F238E27FC236}">
-                <a16:creationId xmlns:a16="http://schemas.microsoft.com/office/drawing/2014/main" id="{1A1BA9E1-3E65-584B-9A06-2DC8DCFCC907}"/>
-              </a:ext>
-            </a:extLst>
-          </p:cNvPr>
+              <a:rPr lang="ko-KR" altLang="en-US" smtClean="0"/>
+              <a:t>다섯째 수준</a:t>
+            </a:r>
+            <a:endParaRPr lang="en-US" dirty="0"/>
+          </a:p>
+        </p:txBody>
+      </p:sp>
+      <p:sp>
+        <p:nvSpPr>
+          <p:cNvPr id="4" name="Date Placeholder 3"/>
           <p:cNvSpPr>
             <a:spLocks noGrp="1"/>
           </p:cNvSpPr>
@@ -867,7 +772,7 @@
           <a:p>
             <a:fld id="{5C093640-DB8C-2442-B3A8-D7D1BA278563}" type="datetimeFigureOut">
               <a:rPr kumimoji="1" lang="ko-KR" altLang="en-US" smtClean="0"/>
-              <a:t>2022. 1. 27.</a:t>
+              <a:t>2022-02-03</a:t>
             </a:fld>
             <a:endParaRPr kumimoji="1" lang="ko-KR" altLang="en-US"/>
           </a:p>
@@ -875,13 +780,7 @@
       </p:sp>
       <p:sp>
         <p:nvSpPr>
-          <p:cNvPr id="5" name="바닥글 개체 틀 4">
-            <a:extLst>
-              <a:ext uri="{FF2B5EF4-FFF2-40B4-BE49-F238E27FC236}">
-                <a16:creationId xmlns:a16="http://schemas.microsoft.com/office/drawing/2014/main" id="{806DDD5E-6015-E54B-B5F9-AB1BEA66D62D}"/>
-              </a:ext>
-            </a:extLst>
-          </p:cNvPr>
+          <p:cNvPr id="5" name="Footer Placeholder 4"/>
           <p:cNvSpPr>
             <a:spLocks noGrp="1"/>
           </p:cNvSpPr>
@@ -900,13 +799,7 @@
       </p:sp>
       <p:sp>
         <p:nvSpPr>
-          <p:cNvPr id="6" name="슬라이드 번호 개체 틀 5">
-            <a:extLst>
-              <a:ext uri="{FF2B5EF4-FFF2-40B4-BE49-F238E27FC236}">
-                <a16:creationId xmlns:a16="http://schemas.microsoft.com/office/drawing/2014/main" id="{CACBD320-5108-3A47-BC7F-DE61D6EAE208}"/>
-              </a:ext>
-            </a:extLst>
-          </p:cNvPr>
+          <p:cNvPr id="6" name="Slide Number Placeholder 5"/>
           <p:cNvSpPr>
             <a:spLocks noGrp="1"/>
           </p:cNvSpPr>
@@ -930,7 +823,7 @@
     </p:spTree>
     <p:extLst>
       <p:ext uri="{BB962C8B-B14F-4D97-AF65-F5344CB8AC3E}">
-        <p14:creationId xmlns:p14="http://schemas.microsoft.com/office/powerpoint/2010/main" val="3921788314"/>
+        <p14:creationId xmlns:p14="http://schemas.microsoft.com/office/powerpoint/2010/main" val="2071172455"/>
       </p:ext>
     </p:extLst>
   </p:cSld>
@@ -959,13 +852,7 @@
       </p:grpSpPr>
       <p:sp>
         <p:nvSpPr>
-          <p:cNvPr id="2" name="제목 1">
-            <a:extLst>
-              <a:ext uri="{FF2B5EF4-FFF2-40B4-BE49-F238E27FC236}">
-                <a16:creationId xmlns:a16="http://schemas.microsoft.com/office/drawing/2014/main" id="{957E7C61-0B07-B74E-846F-566BB08B8339}"/>
-              </a:ext>
-            </a:extLst>
-          </p:cNvPr>
+          <p:cNvPr id="2" name="Title 1"/>
           <p:cNvSpPr>
             <a:spLocks noGrp="1"/>
           </p:cNvSpPr>
@@ -988,21 +875,16 @@
           </a:lstStyle>
           <a:p>
             <a:r>
-              <a:rPr kumimoji="1" lang="ko-KR" altLang="en-US"/>
+              <a:rPr lang="ko-KR" altLang="en-US" smtClean="0"/>
               <a:t>마스터 제목 스타일 편집</a:t>
             </a:r>
-          </a:p>
-        </p:txBody>
-      </p:sp>
-      <p:sp>
-        <p:nvSpPr>
-          <p:cNvPr id="3" name="텍스트 개체 틀 2">
-            <a:extLst>
-              <a:ext uri="{FF2B5EF4-FFF2-40B4-BE49-F238E27FC236}">
-                <a16:creationId xmlns:a16="http://schemas.microsoft.com/office/drawing/2014/main" id="{9A5FFE3C-080A-9A46-940F-C6E027AD889C}"/>
-              </a:ext>
-            </a:extLst>
-          </p:cNvPr>
+            <a:endParaRPr lang="en-US" dirty="0"/>
+          </a:p>
+        </p:txBody>
+      </p:sp>
+      <p:sp>
+        <p:nvSpPr>
+          <p:cNvPr id="3" name="Text Placeholder 2"/>
           <p:cNvSpPr>
             <a:spLocks noGrp="1"/>
           </p:cNvSpPr>
@@ -1113,21 +995,15 @@
           <a:p>
             <a:pPr lvl="0"/>
             <a:r>
-              <a:rPr kumimoji="1" lang="ko-KR" altLang="en-US"/>
-              <a:t>마스터 텍스트 스타일을 편집하려면 클릭</a:t>
-            </a:r>
-          </a:p>
-        </p:txBody>
-      </p:sp>
-      <p:sp>
-        <p:nvSpPr>
-          <p:cNvPr id="4" name="날짜 개체 틀 3">
-            <a:extLst>
-              <a:ext uri="{FF2B5EF4-FFF2-40B4-BE49-F238E27FC236}">
-                <a16:creationId xmlns:a16="http://schemas.microsoft.com/office/drawing/2014/main" id="{44100027-104C-E74C-B40E-87B7030FFC92}"/>
-              </a:ext>
-            </a:extLst>
-          </p:cNvPr>
+              <a:rPr lang="ko-KR" altLang="en-US" smtClean="0"/>
+              <a:t>마스터 텍스트 스타일을 편집합니다</a:t>
+            </a:r>
+          </a:p>
+        </p:txBody>
+      </p:sp>
+      <p:sp>
+        <p:nvSpPr>
+          <p:cNvPr id="4" name="Date Placeholder 3"/>
           <p:cNvSpPr>
             <a:spLocks noGrp="1"/>
           </p:cNvSpPr>
@@ -1142,7 +1018,7 @@
           <a:p>
             <a:fld id="{5C093640-DB8C-2442-B3A8-D7D1BA278563}" type="datetimeFigureOut">
               <a:rPr kumimoji="1" lang="ko-KR" altLang="en-US" smtClean="0"/>
-              <a:t>2022. 1. 27.</a:t>
+              <a:t>2022-02-03</a:t>
             </a:fld>
             <a:endParaRPr kumimoji="1" lang="ko-KR" altLang="en-US"/>
           </a:p>
@@ -1150,13 +1026,7 @@
       </p:sp>
       <p:sp>
         <p:nvSpPr>
-          <p:cNvPr id="5" name="바닥글 개체 틀 4">
-            <a:extLst>
-              <a:ext uri="{FF2B5EF4-FFF2-40B4-BE49-F238E27FC236}">
-                <a16:creationId xmlns:a16="http://schemas.microsoft.com/office/drawing/2014/main" id="{02CB5EFF-BD57-C442-B6ED-0A8EDF47F793}"/>
-              </a:ext>
-            </a:extLst>
-          </p:cNvPr>
+          <p:cNvPr id="5" name="Footer Placeholder 4"/>
           <p:cNvSpPr>
             <a:spLocks noGrp="1"/>
           </p:cNvSpPr>
@@ -1175,13 +1045,7 @@
       </p:sp>
       <p:sp>
         <p:nvSpPr>
-          <p:cNvPr id="6" name="슬라이드 번호 개체 틀 5">
-            <a:extLst>
-              <a:ext uri="{FF2B5EF4-FFF2-40B4-BE49-F238E27FC236}">
-                <a16:creationId xmlns:a16="http://schemas.microsoft.com/office/drawing/2014/main" id="{920B5ACA-5BB7-2743-95F3-EC34B30822D0}"/>
-              </a:ext>
-            </a:extLst>
-          </p:cNvPr>
+          <p:cNvPr id="6" name="Slide Number Placeholder 5"/>
           <p:cNvSpPr>
             <a:spLocks noGrp="1"/>
           </p:cNvSpPr>
@@ -1205,7 +1069,7 @@
     </p:spTree>
     <p:extLst>
       <p:ext uri="{BB962C8B-B14F-4D97-AF65-F5344CB8AC3E}">
-        <p14:creationId xmlns:p14="http://schemas.microsoft.com/office/powerpoint/2010/main" val="2124408106"/>
+        <p14:creationId xmlns:p14="http://schemas.microsoft.com/office/powerpoint/2010/main" val="3964766723"/>
       </p:ext>
     </p:extLst>
   </p:cSld>
@@ -1234,13 +1098,7 @@
       </p:grpSpPr>
       <p:sp>
         <p:nvSpPr>
-          <p:cNvPr id="2" name="제목 1">
-            <a:extLst>
-              <a:ext uri="{FF2B5EF4-FFF2-40B4-BE49-F238E27FC236}">
-                <a16:creationId xmlns:a16="http://schemas.microsoft.com/office/drawing/2014/main" id="{86A12211-9560-0C43-80F6-64F6FD6156FF}"/>
-              </a:ext>
-            </a:extLst>
-          </p:cNvPr>
+          <p:cNvPr id="2" name="Title 1"/>
           <p:cNvSpPr>
             <a:spLocks noGrp="1"/>
           </p:cNvSpPr>
@@ -1254,21 +1112,16 @@
           <a:lstStyle/>
           <a:p>
             <a:r>
-              <a:rPr kumimoji="1" lang="ko-KR" altLang="en-US"/>
+              <a:rPr lang="ko-KR" altLang="en-US" smtClean="0"/>
               <a:t>마스터 제목 스타일 편집</a:t>
             </a:r>
-          </a:p>
-        </p:txBody>
-      </p:sp>
-      <p:sp>
-        <p:nvSpPr>
-          <p:cNvPr id="3" name="내용 개체 틀 2">
-            <a:extLst>
-              <a:ext uri="{FF2B5EF4-FFF2-40B4-BE49-F238E27FC236}">
-                <a16:creationId xmlns:a16="http://schemas.microsoft.com/office/drawing/2014/main" id="{1DA84AD3-ABAE-2A43-893E-70FAF2E417EB}"/>
-              </a:ext>
-            </a:extLst>
-          </p:cNvPr>
+            <a:endParaRPr lang="en-US" dirty="0"/>
+          </a:p>
+        </p:txBody>
+      </p:sp>
+      <p:sp>
+        <p:nvSpPr>
+          <p:cNvPr id="3" name="Content Placeholder 2"/>
           <p:cNvSpPr>
             <a:spLocks noGrp="1"/>
           </p:cNvSpPr>
@@ -1288,49 +1141,44 @@
           <a:p>
             <a:pPr lvl="0"/>
             <a:r>
-              <a:rPr kumimoji="1" lang="ko-KR" altLang="en-US"/>
-              <a:t>마스터 텍스트 스타일을 편집하려면 클릭</a:t>
+              <a:rPr lang="ko-KR" altLang="en-US" smtClean="0"/>
+              <a:t>마스터 텍스트 스타일을 편집합니다</a:t>
             </a:r>
           </a:p>
           <a:p>
             <a:pPr lvl="1"/>
             <a:r>
-              <a:rPr kumimoji="1" lang="ko-KR" altLang="en-US"/>
-              <a:t>두 번째 수준</a:t>
+              <a:rPr lang="ko-KR" altLang="en-US" smtClean="0"/>
+              <a:t>둘째 수준</a:t>
             </a:r>
           </a:p>
           <a:p>
             <a:pPr lvl="2"/>
             <a:r>
-              <a:rPr kumimoji="1" lang="ko-KR" altLang="en-US"/>
-              <a:t>세 번째 수준</a:t>
+              <a:rPr lang="ko-KR" altLang="en-US" smtClean="0"/>
+              <a:t>셋째 수준</a:t>
             </a:r>
           </a:p>
           <a:p>
             <a:pPr lvl="3"/>
             <a:r>
-              <a:rPr kumimoji="1" lang="ko-KR" altLang="en-US"/>
-              <a:t>네 번째 수준</a:t>
+              <a:rPr lang="ko-KR" altLang="en-US" smtClean="0"/>
+              <a:t>넷째 수준</a:t>
             </a:r>
           </a:p>
           <a:p>
             <a:pPr lvl="4"/>
             <a:r>
-              <a:rPr kumimoji="1" lang="ko-KR" altLang="en-US"/>
-              <a:t>다섯 번째 수준</a:t>
-            </a:r>
-          </a:p>
-        </p:txBody>
-      </p:sp>
-      <p:sp>
-        <p:nvSpPr>
-          <p:cNvPr id="4" name="내용 개체 틀 3">
-            <a:extLst>
-              <a:ext uri="{FF2B5EF4-FFF2-40B4-BE49-F238E27FC236}">
-                <a16:creationId xmlns:a16="http://schemas.microsoft.com/office/drawing/2014/main" id="{4A20F85E-4D01-E343-8E6B-C625538BE003}"/>
-              </a:ext>
-            </a:extLst>
-          </p:cNvPr>
+              <a:rPr lang="ko-KR" altLang="en-US" smtClean="0"/>
+              <a:t>다섯째 수준</a:t>
+            </a:r>
+            <a:endParaRPr lang="en-US" dirty="0"/>
+          </a:p>
+        </p:txBody>
+      </p:sp>
+      <p:sp>
+        <p:nvSpPr>
+          <p:cNvPr id="4" name="Content Placeholder 3"/>
           <p:cNvSpPr>
             <a:spLocks noGrp="1"/>
           </p:cNvSpPr>
@@ -1350,49 +1198,44 @@
           <a:p>
             <a:pPr lvl="0"/>
             <a:r>
-              <a:rPr kumimoji="1" lang="ko-KR" altLang="en-US"/>
-              <a:t>마스터 텍스트 스타일을 편집하려면 클릭</a:t>
+              <a:rPr lang="ko-KR" altLang="en-US" smtClean="0"/>
+              <a:t>마스터 텍스트 스타일을 편집합니다</a:t>
             </a:r>
           </a:p>
           <a:p>
             <a:pPr lvl="1"/>
             <a:r>
-              <a:rPr kumimoji="1" lang="ko-KR" altLang="en-US"/>
-              <a:t>두 번째 수준</a:t>
+              <a:rPr lang="ko-KR" altLang="en-US" smtClean="0"/>
+              <a:t>둘째 수준</a:t>
             </a:r>
           </a:p>
           <a:p>
             <a:pPr lvl="2"/>
             <a:r>
-              <a:rPr kumimoji="1" lang="ko-KR" altLang="en-US"/>
-              <a:t>세 번째 수준</a:t>
+              <a:rPr lang="ko-KR" altLang="en-US" smtClean="0"/>
+              <a:t>셋째 수준</a:t>
             </a:r>
           </a:p>
           <a:p>
             <a:pPr lvl="3"/>
             <a:r>
-              <a:rPr kumimoji="1" lang="ko-KR" altLang="en-US"/>
-              <a:t>네 번째 수준</a:t>
+              <a:rPr lang="ko-KR" altLang="en-US" smtClean="0"/>
+              <a:t>넷째 수준</a:t>
             </a:r>
           </a:p>
           <a:p>
             <a:pPr lvl="4"/>
             <a:r>
-              <a:rPr kumimoji="1" lang="ko-KR" altLang="en-US"/>
-              <a:t>다섯 번째 수준</a:t>
-            </a:r>
-          </a:p>
-        </p:txBody>
-      </p:sp>
-      <p:sp>
-        <p:nvSpPr>
-          <p:cNvPr id="5" name="날짜 개체 틀 4">
-            <a:extLst>
-              <a:ext uri="{FF2B5EF4-FFF2-40B4-BE49-F238E27FC236}">
-                <a16:creationId xmlns:a16="http://schemas.microsoft.com/office/drawing/2014/main" id="{08FF3EF6-29E9-E14E-B65A-62D3B570FD29}"/>
-              </a:ext>
-            </a:extLst>
-          </p:cNvPr>
+              <a:rPr lang="ko-KR" altLang="en-US" smtClean="0"/>
+              <a:t>다섯째 수준</a:t>
+            </a:r>
+            <a:endParaRPr lang="en-US" dirty="0"/>
+          </a:p>
+        </p:txBody>
+      </p:sp>
+      <p:sp>
+        <p:nvSpPr>
+          <p:cNvPr id="5" name="Date Placeholder 4"/>
           <p:cNvSpPr>
             <a:spLocks noGrp="1"/>
           </p:cNvSpPr>
@@ -1407,7 +1250,7 @@
           <a:p>
             <a:fld id="{5C093640-DB8C-2442-B3A8-D7D1BA278563}" type="datetimeFigureOut">
               <a:rPr kumimoji="1" lang="ko-KR" altLang="en-US" smtClean="0"/>
-              <a:t>2022. 1. 27.</a:t>
+              <a:t>2022-02-03</a:t>
             </a:fld>
             <a:endParaRPr kumimoji="1" lang="ko-KR" altLang="en-US"/>
           </a:p>
@@ -1415,13 +1258,7 @@
       </p:sp>
       <p:sp>
         <p:nvSpPr>
-          <p:cNvPr id="6" name="바닥글 개체 틀 5">
-            <a:extLst>
-              <a:ext uri="{FF2B5EF4-FFF2-40B4-BE49-F238E27FC236}">
-                <a16:creationId xmlns:a16="http://schemas.microsoft.com/office/drawing/2014/main" id="{0632566C-5569-EC4D-9100-01ED39C66769}"/>
-              </a:ext>
-            </a:extLst>
-          </p:cNvPr>
+          <p:cNvPr id="6" name="Footer Placeholder 5"/>
           <p:cNvSpPr>
             <a:spLocks noGrp="1"/>
           </p:cNvSpPr>
@@ -1440,13 +1277,7 @@
       </p:sp>
       <p:sp>
         <p:nvSpPr>
-          <p:cNvPr id="7" name="슬라이드 번호 개체 틀 6">
-            <a:extLst>
-              <a:ext uri="{FF2B5EF4-FFF2-40B4-BE49-F238E27FC236}">
-                <a16:creationId xmlns:a16="http://schemas.microsoft.com/office/drawing/2014/main" id="{B546DDEA-C470-B843-B2F3-C2ADA2A80761}"/>
-              </a:ext>
-            </a:extLst>
-          </p:cNvPr>
+          <p:cNvPr id="7" name="Slide Number Placeholder 6"/>
           <p:cNvSpPr>
             <a:spLocks noGrp="1"/>
           </p:cNvSpPr>
@@ -1470,7 +1301,7 @@
     </p:spTree>
     <p:extLst>
       <p:ext uri="{BB962C8B-B14F-4D97-AF65-F5344CB8AC3E}">
-        <p14:creationId xmlns:p14="http://schemas.microsoft.com/office/powerpoint/2010/main" val="4283679428"/>
+        <p14:creationId xmlns:p14="http://schemas.microsoft.com/office/powerpoint/2010/main" val="2055446472"/>
       </p:ext>
     </p:extLst>
   </p:cSld>
@@ -1499,13 +1330,7 @@
       </p:grpSpPr>
       <p:sp>
         <p:nvSpPr>
-          <p:cNvPr id="2" name="제목 1">
-            <a:extLst>
-              <a:ext uri="{FF2B5EF4-FFF2-40B4-BE49-F238E27FC236}">
-                <a16:creationId xmlns:a16="http://schemas.microsoft.com/office/drawing/2014/main" id="{BCDF6B77-AE0B-9449-BB56-CE266AFAEE75}"/>
-              </a:ext>
-            </a:extLst>
-          </p:cNvPr>
+          <p:cNvPr id="2" name="Title 1"/>
           <p:cNvSpPr>
             <a:spLocks noGrp="1"/>
           </p:cNvSpPr>
@@ -1524,21 +1349,16 @@
           <a:lstStyle/>
           <a:p>
             <a:r>
-              <a:rPr kumimoji="1" lang="ko-KR" altLang="en-US"/>
+              <a:rPr lang="ko-KR" altLang="en-US" smtClean="0"/>
               <a:t>마스터 제목 스타일 편집</a:t>
             </a:r>
-          </a:p>
-        </p:txBody>
-      </p:sp>
-      <p:sp>
-        <p:nvSpPr>
-          <p:cNvPr id="3" name="텍스트 개체 틀 2">
-            <a:extLst>
-              <a:ext uri="{FF2B5EF4-FFF2-40B4-BE49-F238E27FC236}">
-                <a16:creationId xmlns:a16="http://schemas.microsoft.com/office/drawing/2014/main" id="{E8FF42C2-8251-344C-A9A8-A48098A04BD1}"/>
-              </a:ext>
-            </a:extLst>
-          </p:cNvPr>
+            <a:endParaRPr lang="en-US" dirty="0"/>
+          </a:p>
+        </p:txBody>
+      </p:sp>
+      <p:sp>
+        <p:nvSpPr>
+          <p:cNvPr id="3" name="Text Placeholder 2"/>
           <p:cNvSpPr>
             <a:spLocks noGrp="1"/>
           </p:cNvSpPr>
@@ -1595,21 +1415,15 @@
           <a:p>
             <a:pPr lvl="0"/>
             <a:r>
-              <a:rPr kumimoji="1" lang="ko-KR" altLang="en-US"/>
-              <a:t>마스터 텍스트 스타일을 편집하려면 클릭</a:t>
-            </a:r>
-          </a:p>
-        </p:txBody>
-      </p:sp>
-      <p:sp>
-        <p:nvSpPr>
-          <p:cNvPr id="4" name="내용 개체 틀 3">
-            <a:extLst>
-              <a:ext uri="{FF2B5EF4-FFF2-40B4-BE49-F238E27FC236}">
-                <a16:creationId xmlns:a16="http://schemas.microsoft.com/office/drawing/2014/main" id="{62E2F02F-408A-604B-B8FF-A6C8EC40C1E5}"/>
-              </a:ext>
-            </a:extLst>
-          </p:cNvPr>
+              <a:rPr lang="ko-KR" altLang="en-US" smtClean="0"/>
+              <a:t>마스터 텍스트 스타일을 편집합니다</a:t>
+            </a:r>
+          </a:p>
+        </p:txBody>
+      </p:sp>
+      <p:sp>
+        <p:nvSpPr>
+          <p:cNvPr id="4" name="Content Placeholder 3"/>
           <p:cNvSpPr>
             <a:spLocks noGrp="1"/>
           </p:cNvSpPr>
@@ -1629,49 +1443,44 @@
           <a:p>
             <a:pPr lvl="0"/>
             <a:r>
-              <a:rPr kumimoji="1" lang="ko-KR" altLang="en-US"/>
-              <a:t>마스터 텍스트 스타일을 편집하려면 클릭</a:t>
+              <a:rPr lang="ko-KR" altLang="en-US" smtClean="0"/>
+              <a:t>마스터 텍스트 스타일을 편집합니다</a:t>
             </a:r>
           </a:p>
           <a:p>
             <a:pPr lvl="1"/>
             <a:r>
-              <a:rPr kumimoji="1" lang="ko-KR" altLang="en-US"/>
-              <a:t>두 번째 수준</a:t>
+              <a:rPr lang="ko-KR" altLang="en-US" smtClean="0"/>
+              <a:t>둘째 수준</a:t>
             </a:r>
           </a:p>
           <a:p>
             <a:pPr lvl="2"/>
             <a:r>
-              <a:rPr kumimoji="1" lang="ko-KR" altLang="en-US"/>
-              <a:t>세 번째 수준</a:t>
+              <a:rPr lang="ko-KR" altLang="en-US" smtClean="0"/>
+              <a:t>셋째 수준</a:t>
             </a:r>
           </a:p>
           <a:p>
             <a:pPr lvl="3"/>
             <a:r>
-              <a:rPr kumimoji="1" lang="ko-KR" altLang="en-US"/>
-              <a:t>네 번째 수준</a:t>
+              <a:rPr lang="ko-KR" altLang="en-US" smtClean="0"/>
+              <a:t>넷째 수준</a:t>
             </a:r>
           </a:p>
           <a:p>
             <a:pPr lvl="4"/>
             <a:r>
-              <a:rPr kumimoji="1" lang="ko-KR" altLang="en-US"/>
-              <a:t>다섯 번째 수준</a:t>
-            </a:r>
-          </a:p>
-        </p:txBody>
-      </p:sp>
-      <p:sp>
-        <p:nvSpPr>
-          <p:cNvPr id="5" name="텍스트 개체 틀 4">
-            <a:extLst>
-              <a:ext uri="{FF2B5EF4-FFF2-40B4-BE49-F238E27FC236}">
-                <a16:creationId xmlns:a16="http://schemas.microsoft.com/office/drawing/2014/main" id="{42735633-AA68-6741-9818-11F077D1096B}"/>
-              </a:ext>
-            </a:extLst>
-          </p:cNvPr>
+              <a:rPr lang="ko-KR" altLang="en-US" smtClean="0"/>
+              <a:t>다섯째 수준</a:t>
+            </a:r>
+            <a:endParaRPr lang="en-US" dirty="0"/>
+          </a:p>
+        </p:txBody>
+      </p:sp>
+      <p:sp>
+        <p:nvSpPr>
+          <p:cNvPr id="5" name="Text Placeholder 4"/>
           <p:cNvSpPr>
             <a:spLocks noGrp="1"/>
           </p:cNvSpPr>
@@ -1728,21 +1537,15 @@
           <a:p>
             <a:pPr lvl="0"/>
             <a:r>
-              <a:rPr kumimoji="1" lang="ko-KR" altLang="en-US"/>
-              <a:t>마스터 텍스트 스타일을 편집하려면 클릭</a:t>
-            </a:r>
-          </a:p>
-        </p:txBody>
-      </p:sp>
-      <p:sp>
-        <p:nvSpPr>
-          <p:cNvPr id="6" name="내용 개체 틀 5">
-            <a:extLst>
-              <a:ext uri="{FF2B5EF4-FFF2-40B4-BE49-F238E27FC236}">
-                <a16:creationId xmlns:a16="http://schemas.microsoft.com/office/drawing/2014/main" id="{3CA57011-5269-CE44-8AE6-12CCCACB83E4}"/>
-              </a:ext>
-            </a:extLst>
-          </p:cNvPr>
+              <a:rPr lang="ko-KR" altLang="en-US" smtClean="0"/>
+              <a:t>마스터 텍스트 스타일을 편집합니다</a:t>
+            </a:r>
+          </a:p>
+        </p:txBody>
+      </p:sp>
+      <p:sp>
+        <p:nvSpPr>
+          <p:cNvPr id="6" name="Content Placeholder 5"/>
           <p:cNvSpPr>
             <a:spLocks noGrp="1"/>
           </p:cNvSpPr>
@@ -1762,49 +1565,44 @@
           <a:p>
             <a:pPr lvl="0"/>
             <a:r>
-              <a:rPr kumimoji="1" lang="ko-KR" altLang="en-US"/>
-              <a:t>마스터 텍스트 스타일을 편집하려면 클릭</a:t>
+              <a:rPr lang="ko-KR" altLang="en-US" smtClean="0"/>
+              <a:t>마스터 텍스트 스타일을 편집합니다</a:t>
             </a:r>
           </a:p>
           <a:p>
             <a:pPr lvl="1"/>
             <a:r>
-              <a:rPr kumimoji="1" lang="ko-KR" altLang="en-US"/>
-              <a:t>두 번째 수준</a:t>
+              <a:rPr lang="ko-KR" altLang="en-US" smtClean="0"/>
+              <a:t>둘째 수준</a:t>
             </a:r>
           </a:p>
           <a:p>
             <a:pPr lvl="2"/>
             <a:r>
-              <a:rPr kumimoji="1" lang="ko-KR" altLang="en-US"/>
-              <a:t>세 번째 수준</a:t>
+              <a:rPr lang="ko-KR" altLang="en-US" smtClean="0"/>
+              <a:t>셋째 수준</a:t>
             </a:r>
           </a:p>
           <a:p>
             <a:pPr lvl="3"/>
             <a:r>
-              <a:rPr kumimoji="1" lang="ko-KR" altLang="en-US"/>
-              <a:t>네 번째 수준</a:t>
+              <a:rPr lang="ko-KR" altLang="en-US" smtClean="0"/>
+              <a:t>넷째 수준</a:t>
             </a:r>
           </a:p>
           <a:p>
             <a:pPr lvl="4"/>
             <a:r>
-              <a:rPr kumimoji="1" lang="ko-KR" altLang="en-US"/>
-              <a:t>다섯 번째 수준</a:t>
-            </a:r>
-          </a:p>
-        </p:txBody>
-      </p:sp>
-      <p:sp>
-        <p:nvSpPr>
-          <p:cNvPr id="7" name="날짜 개체 틀 6">
-            <a:extLst>
-              <a:ext uri="{FF2B5EF4-FFF2-40B4-BE49-F238E27FC236}">
-                <a16:creationId xmlns:a16="http://schemas.microsoft.com/office/drawing/2014/main" id="{8897BB67-3B5A-0142-A6BA-C378A46BF487}"/>
-              </a:ext>
-            </a:extLst>
-          </p:cNvPr>
+              <a:rPr lang="ko-KR" altLang="en-US" smtClean="0"/>
+              <a:t>다섯째 수준</a:t>
+            </a:r>
+            <a:endParaRPr lang="en-US" dirty="0"/>
+          </a:p>
+        </p:txBody>
+      </p:sp>
+      <p:sp>
+        <p:nvSpPr>
+          <p:cNvPr id="7" name="Date Placeholder 6"/>
           <p:cNvSpPr>
             <a:spLocks noGrp="1"/>
           </p:cNvSpPr>
@@ -1819,7 +1617,7 @@
           <a:p>
             <a:fld id="{5C093640-DB8C-2442-B3A8-D7D1BA278563}" type="datetimeFigureOut">
               <a:rPr kumimoji="1" lang="ko-KR" altLang="en-US" smtClean="0"/>
-              <a:t>2022. 1. 27.</a:t>
+              <a:t>2022-02-03</a:t>
             </a:fld>
             <a:endParaRPr kumimoji="1" lang="ko-KR" altLang="en-US"/>
           </a:p>
@@ -1827,13 +1625,7 @@
       </p:sp>
       <p:sp>
         <p:nvSpPr>
-          <p:cNvPr id="8" name="바닥글 개체 틀 7">
-            <a:extLst>
-              <a:ext uri="{FF2B5EF4-FFF2-40B4-BE49-F238E27FC236}">
-                <a16:creationId xmlns:a16="http://schemas.microsoft.com/office/drawing/2014/main" id="{398C4F04-C6C1-5F48-A651-DAD5DC0C7853}"/>
-              </a:ext>
-            </a:extLst>
-          </p:cNvPr>
+          <p:cNvPr id="8" name="Footer Placeholder 7"/>
           <p:cNvSpPr>
             <a:spLocks noGrp="1"/>
           </p:cNvSpPr>
@@ -1852,13 +1644,7 @@
       </p:sp>
       <p:sp>
         <p:nvSpPr>
-          <p:cNvPr id="9" name="슬라이드 번호 개체 틀 8">
-            <a:extLst>
-              <a:ext uri="{FF2B5EF4-FFF2-40B4-BE49-F238E27FC236}">
-                <a16:creationId xmlns:a16="http://schemas.microsoft.com/office/drawing/2014/main" id="{880DC10E-ED57-A44E-8BA8-BAC8C297DC34}"/>
-              </a:ext>
-            </a:extLst>
-          </p:cNvPr>
+          <p:cNvPr id="9" name="Slide Number Placeholder 8"/>
           <p:cNvSpPr>
             <a:spLocks noGrp="1"/>
           </p:cNvSpPr>
@@ -1882,7 +1668,7 @@
     </p:spTree>
     <p:extLst>
       <p:ext uri="{BB962C8B-B14F-4D97-AF65-F5344CB8AC3E}">
-        <p14:creationId xmlns:p14="http://schemas.microsoft.com/office/powerpoint/2010/main" val="837799665"/>
+        <p14:creationId xmlns:p14="http://schemas.microsoft.com/office/powerpoint/2010/main" val="1005424754"/>
       </p:ext>
     </p:extLst>
   </p:cSld>
@@ -1911,13 +1697,7 @@
       </p:grpSpPr>
       <p:sp>
         <p:nvSpPr>
-          <p:cNvPr id="2" name="제목 1">
-            <a:extLst>
-              <a:ext uri="{FF2B5EF4-FFF2-40B4-BE49-F238E27FC236}">
-                <a16:creationId xmlns:a16="http://schemas.microsoft.com/office/drawing/2014/main" id="{E169146C-954C-494F-9D98-58933FC45F68}"/>
-              </a:ext>
-            </a:extLst>
-          </p:cNvPr>
+          <p:cNvPr id="2" name="Title 1"/>
           <p:cNvSpPr>
             <a:spLocks noGrp="1"/>
           </p:cNvSpPr>
@@ -1931,21 +1711,16 @@
           <a:lstStyle/>
           <a:p>
             <a:r>
-              <a:rPr kumimoji="1" lang="ko-KR" altLang="en-US"/>
+              <a:rPr lang="ko-KR" altLang="en-US" smtClean="0"/>
               <a:t>마스터 제목 스타일 편집</a:t>
             </a:r>
-          </a:p>
-        </p:txBody>
-      </p:sp>
-      <p:sp>
-        <p:nvSpPr>
-          <p:cNvPr id="3" name="날짜 개체 틀 2">
-            <a:extLst>
-              <a:ext uri="{FF2B5EF4-FFF2-40B4-BE49-F238E27FC236}">
-                <a16:creationId xmlns:a16="http://schemas.microsoft.com/office/drawing/2014/main" id="{FB0BB1A3-3B5C-2941-B44F-A9E288450EFB}"/>
-              </a:ext>
-            </a:extLst>
-          </p:cNvPr>
+            <a:endParaRPr lang="en-US" dirty="0"/>
+          </a:p>
+        </p:txBody>
+      </p:sp>
+      <p:sp>
+        <p:nvSpPr>
+          <p:cNvPr id="3" name="Date Placeholder 2"/>
           <p:cNvSpPr>
             <a:spLocks noGrp="1"/>
           </p:cNvSpPr>
@@ -1960,7 +1735,7 @@
           <a:p>
             <a:fld id="{5C093640-DB8C-2442-B3A8-D7D1BA278563}" type="datetimeFigureOut">
               <a:rPr kumimoji="1" lang="ko-KR" altLang="en-US" smtClean="0"/>
-              <a:t>2022. 1. 27.</a:t>
+              <a:t>2022-02-03</a:t>
             </a:fld>
             <a:endParaRPr kumimoji="1" lang="ko-KR" altLang="en-US"/>
           </a:p>
@@ -1968,13 +1743,7 @@
       </p:sp>
       <p:sp>
         <p:nvSpPr>
-          <p:cNvPr id="4" name="바닥글 개체 틀 3">
-            <a:extLst>
-              <a:ext uri="{FF2B5EF4-FFF2-40B4-BE49-F238E27FC236}">
-                <a16:creationId xmlns:a16="http://schemas.microsoft.com/office/drawing/2014/main" id="{8D49D332-DA9D-E748-8892-2F31A4C49153}"/>
-              </a:ext>
-            </a:extLst>
-          </p:cNvPr>
+          <p:cNvPr id="4" name="Footer Placeholder 3"/>
           <p:cNvSpPr>
             <a:spLocks noGrp="1"/>
           </p:cNvSpPr>
@@ -1993,13 +1762,7 @@
       </p:sp>
       <p:sp>
         <p:nvSpPr>
-          <p:cNvPr id="5" name="슬라이드 번호 개체 틀 4">
-            <a:extLst>
-              <a:ext uri="{FF2B5EF4-FFF2-40B4-BE49-F238E27FC236}">
-                <a16:creationId xmlns:a16="http://schemas.microsoft.com/office/drawing/2014/main" id="{DCA36A6A-586E-3740-B618-7DA6728C6B97}"/>
-              </a:ext>
-            </a:extLst>
-          </p:cNvPr>
+          <p:cNvPr id="5" name="Slide Number Placeholder 4"/>
           <p:cNvSpPr>
             <a:spLocks noGrp="1"/>
           </p:cNvSpPr>
@@ -2023,7 +1786,7 @@
     </p:spTree>
     <p:extLst>
       <p:ext uri="{BB962C8B-B14F-4D97-AF65-F5344CB8AC3E}">
-        <p14:creationId xmlns:p14="http://schemas.microsoft.com/office/powerpoint/2010/main" val="2714098219"/>
+        <p14:creationId xmlns:p14="http://schemas.microsoft.com/office/powerpoint/2010/main" val="3803648523"/>
       </p:ext>
     </p:extLst>
   </p:cSld>
@@ -2052,13 +1815,7 @@
       </p:grpSpPr>
       <p:sp>
         <p:nvSpPr>
-          <p:cNvPr id="2" name="날짜 개체 틀 1">
-            <a:extLst>
-              <a:ext uri="{FF2B5EF4-FFF2-40B4-BE49-F238E27FC236}">
-                <a16:creationId xmlns:a16="http://schemas.microsoft.com/office/drawing/2014/main" id="{F8F911CC-01D5-D542-BDA2-878D5F1EE1AF}"/>
-              </a:ext>
-            </a:extLst>
-          </p:cNvPr>
+          <p:cNvPr id="2" name="Date Placeholder 1"/>
           <p:cNvSpPr>
             <a:spLocks noGrp="1"/>
           </p:cNvSpPr>
@@ -2073,7 +1830,7 @@
           <a:p>
             <a:fld id="{5C093640-DB8C-2442-B3A8-D7D1BA278563}" type="datetimeFigureOut">
               <a:rPr kumimoji="1" lang="ko-KR" altLang="en-US" smtClean="0"/>
-              <a:t>2022. 1. 27.</a:t>
+              <a:t>2022-02-03</a:t>
             </a:fld>
             <a:endParaRPr kumimoji="1" lang="ko-KR" altLang="en-US"/>
           </a:p>
@@ -2081,13 +1838,7 @@
       </p:sp>
       <p:sp>
         <p:nvSpPr>
-          <p:cNvPr id="3" name="바닥글 개체 틀 2">
-            <a:extLst>
-              <a:ext uri="{FF2B5EF4-FFF2-40B4-BE49-F238E27FC236}">
-                <a16:creationId xmlns:a16="http://schemas.microsoft.com/office/drawing/2014/main" id="{0C525E59-DD92-BC44-9030-BCC4075A5DD1}"/>
-              </a:ext>
-            </a:extLst>
-          </p:cNvPr>
+          <p:cNvPr id="3" name="Footer Placeholder 2"/>
           <p:cNvSpPr>
             <a:spLocks noGrp="1"/>
           </p:cNvSpPr>
@@ -2106,13 +1857,7 @@
       </p:sp>
       <p:sp>
         <p:nvSpPr>
-          <p:cNvPr id="4" name="슬라이드 번호 개체 틀 3">
-            <a:extLst>
-              <a:ext uri="{FF2B5EF4-FFF2-40B4-BE49-F238E27FC236}">
-                <a16:creationId xmlns:a16="http://schemas.microsoft.com/office/drawing/2014/main" id="{255EA8CE-261C-7F4A-989F-F48EC49EA8F2}"/>
-              </a:ext>
-            </a:extLst>
-          </p:cNvPr>
+          <p:cNvPr id="4" name="Slide Number Placeholder 3"/>
           <p:cNvSpPr>
             <a:spLocks noGrp="1"/>
           </p:cNvSpPr>
@@ -2136,7 +1881,7 @@
     </p:spTree>
     <p:extLst>
       <p:ext uri="{BB962C8B-B14F-4D97-AF65-F5344CB8AC3E}">
-        <p14:creationId xmlns:p14="http://schemas.microsoft.com/office/powerpoint/2010/main" val="4200276608"/>
+        <p14:creationId xmlns:p14="http://schemas.microsoft.com/office/powerpoint/2010/main" val="2849118265"/>
       </p:ext>
     </p:extLst>
   </p:cSld>
@@ -2165,13 +1910,7 @@
       </p:grpSpPr>
       <p:sp>
         <p:nvSpPr>
-          <p:cNvPr id="2" name="제목 1">
-            <a:extLst>
-              <a:ext uri="{FF2B5EF4-FFF2-40B4-BE49-F238E27FC236}">
-                <a16:creationId xmlns:a16="http://schemas.microsoft.com/office/drawing/2014/main" id="{FCABAA89-1A0D-5D4A-AD93-052C6D90C8CE}"/>
-              </a:ext>
-            </a:extLst>
-          </p:cNvPr>
+          <p:cNvPr id="2" name="Title 1"/>
           <p:cNvSpPr>
             <a:spLocks noGrp="1"/>
           </p:cNvSpPr>
@@ -2194,21 +1933,16 @@
           </a:lstStyle>
           <a:p>
             <a:r>
-              <a:rPr kumimoji="1" lang="ko-KR" altLang="en-US"/>
+              <a:rPr lang="ko-KR" altLang="en-US" smtClean="0"/>
               <a:t>마스터 제목 스타일 편집</a:t>
             </a:r>
-          </a:p>
-        </p:txBody>
-      </p:sp>
-      <p:sp>
-        <p:nvSpPr>
-          <p:cNvPr id="3" name="내용 개체 틀 2">
-            <a:extLst>
-              <a:ext uri="{FF2B5EF4-FFF2-40B4-BE49-F238E27FC236}">
-                <a16:creationId xmlns:a16="http://schemas.microsoft.com/office/drawing/2014/main" id="{81B7515A-002F-6747-9527-63D705787925}"/>
-              </a:ext>
-            </a:extLst>
-          </p:cNvPr>
+            <a:endParaRPr lang="en-US" dirty="0"/>
+          </a:p>
+        </p:txBody>
+      </p:sp>
+      <p:sp>
+        <p:nvSpPr>
+          <p:cNvPr id="3" name="Content Placeholder 2"/>
           <p:cNvSpPr>
             <a:spLocks noGrp="1"/>
           </p:cNvSpPr>
@@ -2256,49 +1990,44 @@
           <a:p>
             <a:pPr lvl="0"/>
             <a:r>
-              <a:rPr kumimoji="1" lang="ko-KR" altLang="en-US"/>
-              <a:t>마스터 텍스트 스타일을 편집하려면 클릭</a:t>
+              <a:rPr lang="ko-KR" altLang="en-US" smtClean="0"/>
+              <a:t>마스터 텍스트 스타일을 편집합니다</a:t>
             </a:r>
           </a:p>
           <a:p>
             <a:pPr lvl="1"/>
             <a:r>
-              <a:rPr kumimoji="1" lang="ko-KR" altLang="en-US"/>
-              <a:t>두 번째 수준</a:t>
+              <a:rPr lang="ko-KR" altLang="en-US" smtClean="0"/>
+              <a:t>둘째 수준</a:t>
             </a:r>
           </a:p>
           <a:p>
             <a:pPr lvl="2"/>
             <a:r>
-              <a:rPr kumimoji="1" lang="ko-KR" altLang="en-US"/>
-              <a:t>세 번째 수준</a:t>
+              <a:rPr lang="ko-KR" altLang="en-US" smtClean="0"/>
+              <a:t>셋째 수준</a:t>
             </a:r>
           </a:p>
           <a:p>
             <a:pPr lvl="3"/>
             <a:r>
-              <a:rPr kumimoji="1" lang="ko-KR" altLang="en-US"/>
-              <a:t>네 번째 수준</a:t>
+              <a:rPr lang="ko-KR" altLang="en-US" smtClean="0"/>
+              <a:t>넷째 수준</a:t>
             </a:r>
           </a:p>
           <a:p>
             <a:pPr lvl="4"/>
             <a:r>
-              <a:rPr kumimoji="1" lang="ko-KR" altLang="en-US"/>
-              <a:t>다섯 번째 수준</a:t>
-            </a:r>
-          </a:p>
-        </p:txBody>
-      </p:sp>
-      <p:sp>
-        <p:nvSpPr>
-          <p:cNvPr id="4" name="텍스트 개체 틀 3">
-            <a:extLst>
-              <a:ext uri="{FF2B5EF4-FFF2-40B4-BE49-F238E27FC236}">
-                <a16:creationId xmlns:a16="http://schemas.microsoft.com/office/drawing/2014/main" id="{FDF217D2-C809-A642-99C1-74D3015C41AF}"/>
-              </a:ext>
-            </a:extLst>
-          </p:cNvPr>
+              <a:rPr lang="ko-KR" altLang="en-US" smtClean="0"/>
+              <a:t>다섯째 수준</a:t>
+            </a:r>
+            <a:endParaRPr lang="en-US" dirty="0"/>
+          </a:p>
+        </p:txBody>
+      </p:sp>
+      <p:sp>
+        <p:nvSpPr>
+          <p:cNvPr id="4" name="Text Placeholder 3"/>
           <p:cNvSpPr>
             <a:spLocks noGrp="1"/>
           </p:cNvSpPr>
@@ -2355,21 +2084,15 @@
           <a:p>
             <a:pPr lvl="0"/>
             <a:r>
-              <a:rPr kumimoji="1" lang="ko-KR" altLang="en-US"/>
-              <a:t>마스터 텍스트 스타일을 편집하려면 클릭</a:t>
-            </a:r>
-          </a:p>
-        </p:txBody>
-      </p:sp>
-      <p:sp>
-        <p:nvSpPr>
-          <p:cNvPr id="5" name="날짜 개체 틀 4">
-            <a:extLst>
-              <a:ext uri="{FF2B5EF4-FFF2-40B4-BE49-F238E27FC236}">
-                <a16:creationId xmlns:a16="http://schemas.microsoft.com/office/drawing/2014/main" id="{471BDA4F-EC57-174B-9355-0E9CF8435B55}"/>
-              </a:ext>
-            </a:extLst>
-          </p:cNvPr>
+              <a:rPr lang="ko-KR" altLang="en-US" smtClean="0"/>
+              <a:t>마스터 텍스트 스타일을 편집합니다</a:t>
+            </a:r>
+          </a:p>
+        </p:txBody>
+      </p:sp>
+      <p:sp>
+        <p:nvSpPr>
+          <p:cNvPr id="5" name="Date Placeholder 4"/>
           <p:cNvSpPr>
             <a:spLocks noGrp="1"/>
           </p:cNvSpPr>
@@ -2384,7 +2107,7 @@
           <a:p>
             <a:fld id="{5C093640-DB8C-2442-B3A8-D7D1BA278563}" type="datetimeFigureOut">
               <a:rPr kumimoji="1" lang="ko-KR" altLang="en-US" smtClean="0"/>
-              <a:t>2022. 1. 27.</a:t>
+              <a:t>2022-02-03</a:t>
             </a:fld>
             <a:endParaRPr kumimoji="1" lang="ko-KR" altLang="en-US"/>
           </a:p>
@@ -2392,13 +2115,7 @@
       </p:sp>
       <p:sp>
         <p:nvSpPr>
-          <p:cNvPr id="6" name="바닥글 개체 틀 5">
-            <a:extLst>
-              <a:ext uri="{FF2B5EF4-FFF2-40B4-BE49-F238E27FC236}">
-                <a16:creationId xmlns:a16="http://schemas.microsoft.com/office/drawing/2014/main" id="{877AAEA8-010A-4243-B5AE-41D230C4ED22}"/>
-              </a:ext>
-            </a:extLst>
-          </p:cNvPr>
+          <p:cNvPr id="6" name="Footer Placeholder 5"/>
           <p:cNvSpPr>
             <a:spLocks noGrp="1"/>
           </p:cNvSpPr>
@@ -2417,13 +2134,7 @@
       </p:sp>
       <p:sp>
         <p:nvSpPr>
-          <p:cNvPr id="7" name="슬라이드 번호 개체 틀 6">
-            <a:extLst>
-              <a:ext uri="{FF2B5EF4-FFF2-40B4-BE49-F238E27FC236}">
-                <a16:creationId xmlns:a16="http://schemas.microsoft.com/office/drawing/2014/main" id="{86934393-557E-204B-A00C-D8AAEF733813}"/>
-              </a:ext>
-            </a:extLst>
-          </p:cNvPr>
+          <p:cNvPr id="7" name="Slide Number Placeholder 6"/>
           <p:cNvSpPr>
             <a:spLocks noGrp="1"/>
           </p:cNvSpPr>
@@ -2447,7 +2158,7 @@
     </p:spTree>
     <p:extLst>
       <p:ext uri="{BB962C8B-B14F-4D97-AF65-F5344CB8AC3E}">
-        <p14:creationId xmlns:p14="http://schemas.microsoft.com/office/powerpoint/2010/main" val="2076673264"/>
+        <p14:creationId xmlns:p14="http://schemas.microsoft.com/office/powerpoint/2010/main" val="1277797638"/>
       </p:ext>
     </p:extLst>
   </p:cSld>
@@ -2476,13 +2187,7 @@
       </p:grpSpPr>
       <p:sp>
         <p:nvSpPr>
-          <p:cNvPr id="2" name="제목 1">
-            <a:extLst>
-              <a:ext uri="{FF2B5EF4-FFF2-40B4-BE49-F238E27FC236}">
-                <a16:creationId xmlns:a16="http://schemas.microsoft.com/office/drawing/2014/main" id="{A0224773-2D43-1143-85E6-73AF562D02EB}"/>
-              </a:ext>
-            </a:extLst>
-          </p:cNvPr>
+          <p:cNvPr id="2" name="Title 1"/>
           <p:cNvSpPr>
             <a:spLocks noGrp="1"/>
           </p:cNvSpPr>
@@ -2505,23 +2210,18 @@
           </a:lstStyle>
           <a:p>
             <a:r>
-              <a:rPr kumimoji="1" lang="ko-KR" altLang="en-US"/>
+              <a:rPr lang="ko-KR" altLang="en-US" smtClean="0"/>
               <a:t>마스터 제목 스타일 편집</a:t>
             </a:r>
-          </a:p>
-        </p:txBody>
-      </p:sp>
-      <p:sp>
-        <p:nvSpPr>
-          <p:cNvPr id="3" name="그림 개체 틀 2">
-            <a:extLst>
-              <a:ext uri="{FF2B5EF4-FFF2-40B4-BE49-F238E27FC236}">
-                <a16:creationId xmlns:a16="http://schemas.microsoft.com/office/drawing/2014/main" id="{E9268810-D0C6-2A45-9FE5-FD3DC41A4C96}"/>
-              </a:ext>
-            </a:extLst>
-          </p:cNvPr>
-          <p:cNvSpPr>
-            <a:spLocks noGrp="1"/>
+            <a:endParaRPr lang="en-US" dirty="0"/>
+          </a:p>
+        </p:txBody>
+      </p:sp>
+      <p:sp>
+        <p:nvSpPr>
+          <p:cNvPr id="3" name="Picture Placeholder 2"/>
+          <p:cNvSpPr>
+            <a:spLocks noGrp="1" noChangeAspect="1"/>
           </p:cNvSpPr>
           <p:nvPr>
             <p:ph type="pic" idx="1"/>
@@ -2534,7 +2234,7 @@
           </a:xfrm>
         </p:spPr>
         <p:txBody>
-          <a:bodyPr/>
+          <a:bodyPr anchor="t"/>
           <a:lstStyle>
             <a:lvl1pPr marL="0" indent="0">
               <a:buNone/>
@@ -2574,19 +2274,17 @@
             </a:lvl9pPr>
           </a:lstStyle>
           <a:p>
-            <a:endParaRPr kumimoji="1" lang="ko-KR" altLang="en-US"/>
-          </a:p>
-        </p:txBody>
-      </p:sp>
-      <p:sp>
-        <p:nvSpPr>
-          <p:cNvPr id="4" name="텍스트 개체 틀 3">
-            <a:extLst>
-              <a:ext uri="{FF2B5EF4-FFF2-40B4-BE49-F238E27FC236}">
-                <a16:creationId xmlns:a16="http://schemas.microsoft.com/office/drawing/2014/main" id="{F0876F49-9335-314F-8BBA-81E4CF3CA29C}"/>
-              </a:ext>
-            </a:extLst>
-          </p:cNvPr>
+            <a:r>
+              <a:rPr lang="ko-KR" altLang="en-US" smtClean="0"/>
+              <a:t>그림을 추가하려면 아이콘을 클릭하십시오</a:t>
+            </a:r>
+            <a:endParaRPr lang="en-US" dirty="0"/>
+          </a:p>
+        </p:txBody>
+      </p:sp>
+      <p:sp>
+        <p:nvSpPr>
+          <p:cNvPr id="4" name="Text Placeholder 3"/>
           <p:cNvSpPr>
             <a:spLocks noGrp="1"/>
           </p:cNvSpPr>
@@ -2643,21 +2341,15 @@
           <a:p>
             <a:pPr lvl="0"/>
             <a:r>
-              <a:rPr kumimoji="1" lang="ko-KR" altLang="en-US"/>
-              <a:t>마스터 텍스트 스타일을 편집하려면 클릭</a:t>
-            </a:r>
-          </a:p>
-        </p:txBody>
-      </p:sp>
-      <p:sp>
-        <p:nvSpPr>
-          <p:cNvPr id="5" name="날짜 개체 틀 4">
-            <a:extLst>
-              <a:ext uri="{FF2B5EF4-FFF2-40B4-BE49-F238E27FC236}">
-                <a16:creationId xmlns:a16="http://schemas.microsoft.com/office/drawing/2014/main" id="{4A0B2EEC-1A97-384A-AC4B-88676DF11F0D}"/>
-              </a:ext>
-            </a:extLst>
-          </p:cNvPr>
+              <a:rPr lang="ko-KR" altLang="en-US" smtClean="0"/>
+              <a:t>마스터 텍스트 스타일을 편집합니다</a:t>
+            </a:r>
+          </a:p>
+        </p:txBody>
+      </p:sp>
+      <p:sp>
+        <p:nvSpPr>
+          <p:cNvPr id="5" name="Date Placeholder 4"/>
           <p:cNvSpPr>
             <a:spLocks noGrp="1"/>
           </p:cNvSpPr>
@@ -2672,7 +2364,7 @@
           <a:p>
             <a:fld id="{5C093640-DB8C-2442-B3A8-D7D1BA278563}" type="datetimeFigureOut">
               <a:rPr kumimoji="1" lang="ko-KR" altLang="en-US" smtClean="0"/>
-              <a:t>2022. 1. 27.</a:t>
+              <a:t>2022-02-03</a:t>
             </a:fld>
             <a:endParaRPr kumimoji="1" lang="ko-KR" altLang="en-US"/>
           </a:p>
@@ -2680,13 +2372,7 @@
       </p:sp>
       <p:sp>
         <p:nvSpPr>
-          <p:cNvPr id="6" name="바닥글 개체 틀 5">
-            <a:extLst>
-              <a:ext uri="{FF2B5EF4-FFF2-40B4-BE49-F238E27FC236}">
-                <a16:creationId xmlns:a16="http://schemas.microsoft.com/office/drawing/2014/main" id="{33179E51-DBD3-F84C-B28E-91B17AB0394B}"/>
-              </a:ext>
-            </a:extLst>
-          </p:cNvPr>
+          <p:cNvPr id="6" name="Footer Placeholder 5"/>
           <p:cNvSpPr>
             <a:spLocks noGrp="1"/>
           </p:cNvSpPr>
@@ -2705,13 +2391,7 @@
       </p:sp>
       <p:sp>
         <p:nvSpPr>
-          <p:cNvPr id="7" name="슬라이드 번호 개체 틀 6">
-            <a:extLst>
-              <a:ext uri="{FF2B5EF4-FFF2-40B4-BE49-F238E27FC236}">
-                <a16:creationId xmlns:a16="http://schemas.microsoft.com/office/drawing/2014/main" id="{61895ADE-F779-CA44-8EA0-6282DCC420A5}"/>
-              </a:ext>
-            </a:extLst>
-          </p:cNvPr>
+          <p:cNvPr id="7" name="Slide Number Placeholder 6"/>
           <p:cNvSpPr>
             <a:spLocks noGrp="1"/>
           </p:cNvSpPr>
@@ -2735,7 +2415,7 @@
     </p:spTree>
     <p:extLst>
       <p:ext uri="{BB962C8B-B14F-4D97-AF65-F5344CB8AC3E}">
-        <p14:creationId xmlns:p14="http://schemas.microsoft.com/office/powerpoint/2010/main" val="2589827731"/>
+        <p14:creationId xmlns:p14="http://schemas.microsoft.com/office/powerpoint/2010/main" val="1071866696"/>
       </p:ext>
     </p:extLst>
   </p:cSld>
@@ -2769,13 +2449,7 @@
       </p:grpSpPr>
       <p:sp>
         <p:nvSpPr>
-          <p:cNvPr id="2" name="제목 개체 틀 1">
-            <a:extLst>
-              <a:ext uri="{FF2B5EF4-FFF2-40B4-BE49-F238E27FC236}">
-                <a16:creationId xmlns:a16="http://schemas.microsoft.com/office/drawing/2014/main" id="{FB0F7E2E-5134-8A4C-818D-5038B258A391}"/>
-              </a:ext>
-            </a:extLst>
-          </p:cNvPr>
+          <p:cNvPr id="2" name="Title Placeholder 1"/>
           <p:cNvSpPr>
             <a:spLocks noGrp="1"/>
           </p:cNvSpPr>
@@ -2799,21 +2473,16 @@
           <a:lstStyle/>
           <a:p>
             <a:r>
-              <a:rPr kumimoji="1" lang="ko-KR" altLang="en-US"/>
+              <a:rPr lang="ko-KR" altLang="en-US" smtClean="0"/>
               <a:t>마스터 제목 스타일 편집</a:t>
             </a:r>
-          </a:p>
-        </p:txBody>
-      </p:sp>
-      <p:sp>
-        <p:nvSpPr>
-          <p:cNvPr id="3" name="텍스트 개체 틀 2">
-            <a:extLst>
-              <a:ext uri="{FF2B5EF4-FFF2-40B4-BE49-F238E27FC236}">
-                <a16:creationId xmlns:a16="http://schemas.microsoft.com/office/drawing/2014/main" id="{A39B49A6-DF8A-AD4D-A4A5-3A207F41EF0E}"/>
-              </a:ext>
-            </a:extLst>
-          </p:cNvPr>
+            <a:endParaRPr lang="en-US" dirty="0"/>
+          </a:p>
+        </p:txBody>
+      </p:sp>
+      <p:sp>
+        <p:nvSpPr>
+          <p:cNvPr id="3" name="Text Placeholder 2"/>
           <p:cNvSpPr>
             <a:spLocks noGrp="1"/>
           </p:cNvSpPr>
@@ -2838,49 +2507,44 @@
           <a:p>
             <a:pPr lvl="0"/>
             <a:r>
-              <a:rPr kumimoji="1" lang="ko-KR" altLang="en-US"/>
-              <a:t>마스터 텍스트 스타일을 편집하려면 클릭</a:t>
+              <a:rPr lang="ko-KR" altLang="en-US" smtClean="0"/>
+              <a:t>마스터 텍스트 스타일을 편집합니다</a:t>
             </a:r>
           </a:p>
           <a:p>
             <a:pPr lvl="1"/>
             <a:r>
-              <a:rPr kumimoji="1" lang="ko-KR" altLang="en-US"/>
-              <a:t>두 번째 수준</a:t>
+              <a:rPr lang="ko-KR" altLang="en-US" smtClean="0"/>
+              <a:t>둘째 수준</a:t>
             </a:r>
           </a:p>
           <a:p>
             <a:pPr lvl="2"/>
             <a:r>
-              <a:rPr kumimoji="1" lang="ko-KR" altLang="en-US"/>
-              <a:t>세 번째 수준</a:t>
+              <a:rPr lang="ko-KR" altLang="en-US" smtClean="0"/>
+              <a:t>셋째 수준</a:t>
             </a:r>
           </a:p>
           <a:p>
             <a:pPr lvl="3"/>
             <a:r>
-              <a:rPr kumimoji="1" lang="ko-KR" altLang="en-US"/>
-              <a:t>네 번째 수준</a:t>
+              <a:rPr lang="ko-KR" altLang="en-US" smtClean="0"/>
+              <a:t>넷째 수준</a:t>
             </a:r>
           </a:p>
           <a:p>
             <a:pPr lvl="4"/>
             <a:r>
-              <a:rPr kumimoji="1" lang="ko-KR" altLang="en-US"/>
-              <a:t>다섯 번째 수준</a:t>
-            </a:r>
-          </a:p>
-        </p:txBody>
-      </p:sp>
-      <p:sp>
-        <p:nvSpPr>
-          <p:cNvPr id="4" name="날짜 개체 틀 3">
-            <a:extLst>
-              <a:ext uri="{FF2B5EF4-FFF2-40B4-BE49-F238E27FC236}">
-                <a16:creationId xmlns:a16="http://schemas.microsoft.com/office/drawing/2014/main" id="{4C87162F-8E54-4645-9642-A8C8BB2E8E85}"/>
-              </a:ext>
-            </a:extLst>
-          </p:cNvPr>
+              <a:rPr lang="ko-KR" altLang="en-US" smtClean="0"/>
+              <a:t>다섯째 수준</a:t>
+            </a:r>
+            <a:endParaRPr lang="en-US" dirty="0"/>
+          </a:p>
+        </p:txBody>
+      </p:sp>
+      <p:sp>
+        <p:nvSpPr>
+          <p:cNvPr id="4" name="Date Placeholder 3"/>
           <p:cNvSpPr>
             <a:spLocks noGrp="1"/>
           </p:cNvSpPr>
@@ -2913,7 +2577,7 @@
           <a:p>
             <a:fld id="{5C093640-DB8C-2442-B3A8-D7D1BA278563}" type="datetimeFigureOut">
               <a:rPr kumimoji="1" lang="ko-KR" altLang="en-US" smtClean="0"/>
-              <a:t>2022. 1. 27.</a:t>
+              <a:t>2022-02-03</a:t>
             </a:fld>
             <a:endParaRPr kumimoji="1" lang="ko-KR" altLang="en-US"/>
           </a:p>
@@ -2921,13 +2585,7 @@
       </p:sp>
       <p:sp>
         <p:nvSpPr>
-          <p:cNvPr id="5" name="바닥글 개체 틀 4">
-            <a:extLst>
-              <a:ext uri="{FF2B5EF4-FFF2-40B4-BE49-F238E27FC236}">
-                <a16:creationId xmlns:a16="http://schemas.microsoft.com/office/drawing/2014/main" id="{3B94895E-AE55-E64F-92A5-C0F5C277FB42}"/>
-              </a:ext>
-            </a:extLst>
-          </p:cNvPr>
+          <p:cNvPr id="5" name="Footer Placeholder 4"/>
           <p:cNvSpPr>
             <a:spLocks noGrp="1"/>
           </p:cNvSpPr>
@@ -2964,13 +2622,7 @@
       </p:sp>
       <p:sp>
         <p:nvSpPr>
-          <p:cNvPr id="6" name="슬라이드 번호 개체 틀 5">
-            <a:extLst>
-              <a:ext uri="{FF2B5EF4-FFF2-40B4-BE49-F238E27FC236}">
-                <a16:creationId xmlns:a16="http://schemas.microsoft.com/office/drawing/2014/main" id="{5AD19E0F-02EB-314F-94AF-525FD5072222}"/>
-              </a:ext>
-            </a:extLst>
-          </p:cNvPr>
+          <p:cNvPr id="6" name="Slide Number Placeholder 5"/>
           <p:cNvSpPr>
             <a:spLocks noGrp="1"/>
           </p:cNvSpPr>
@@ -3012,23 +2664,23 @@
     </p:spTree>
     <p:extLst>
       <p:ext uri="{BB962C8B-B14F-4D97-AF65-F5344CB8AC3E}">
-        <p14:creationId xmlns:p14="http://schemas.microsoft.com/office/powerpoint/2010/main" val="2081877770"/>
+        <p14:creationId xmlns:p14="http://schemas.microsoft.com/office/powerpoint/2010/main" val="1111653807"/>
       </p:ext>
     </p:extLst>
   </p:cSld>
-  <p:clrMap bg1="lt1" tx1="dk1" bg2="lt2" tx2="dk2" accent1="accent1" accent2="accent2" accent3="accent3" accent4="accent4" accent5="accent5" accent6="accent6" hlink="hlink" folHlink="folHlink"/>
+  <p:clrMap bg1="dk1" tx1="lt1" bg2="dk2" tx2="lt2" accent1="accent1" accent2="accent2" accent3="accent3" accent4="accent4" accent5="accent5" accent6="accent6" hlink="hlink" folHlink="folHlink"/>
   <p:sldLayoutIdLst>
-    <p:sldLayoutId id="2147483649" r:id="rId1"/>
-    <p:sldLayoutId id="2147483650" r:id="rId2"/>
-    <p:sldLayoutId id="2147483651" r:id="rId3"/>
-    <p:sldLayoutId id="2147483652" r:id="rId4"/>
-    <p:sldLayoutId id="2147483653" r:id="rId5"/>
-    <p:sldLayoutId id="2147483654" r:id="rId6"/>
-    <p:sldLayoutId id="2147483655" r:id="rId7"/>
-    <p:sldLayoutId id="2147483656" r:id="rId8"/>
-    <p:sldLayoutId id="2147483657" r:id="rId9"/>
-    <p:sldLayoutId id="2147483658" r:id="rId10"/>
-    <p:sldLayoutId id="2147483659" r:id="rId11"/>
+    <p:sldLayoutId id="2147483673" r:id="rId1"/>
+    <p:sldLayoutId id="2147483674" r:id="rId2"/>
+    <p:sldLayoutId id="2147483675" r:id="rId3"/>
+    <p:sldLayoutId id="2147483676" r:id="rId4"/>
+    <p:sldLayoutId id="2147483677" r:id="rId5"/>
+    <p:sldLayoutId id="2147483678" r:id="rId6"/>
+    <p:sldLayoutId id="2147483679" r:id="rId7"/>
+    <p:sldLayoutId id="2147483680" r:id="rId8"/>
+    <p:sldLayoutId id="2147483681" r:id="rId9"/>
+    <p:sldLayoutId id="2147483682" r:id="rId10"/>
+    <p:sldLayoutId id="2147483683" r:id="rId11"/>
   </p:sldLayoutIdLst>
   <p:txStyles>
     <p:titleStyle>
@@ -3216,7 +2868,7 @@
     </p:bodyStyle>
     <p:otherStyle>
       <a:defPPr>
-        <a:defRPr lang="ko-KR"/>
+        <a:defRPr lang="en-US"/>
       </a:defPPr>
       <a:lvl1pPr marL="0" algn="l" defTabSz="914400" rtl="0" eaLnBrk="1" latinLnBrk="1" hangingPunct="1">
         <a:defRPr sz="1800" kern="1200">
@@ -3335,7 +2987,7 @@
           <p:cNvPr id="2" name="제목 1">
             <a:extLst>
               <a:ext uri="{FF2B5EF4-FFF2-40B4-BE49-F238E27FC236}">
-                <a16:creationId xmlns:a16="http://schemas.microsoft.com/office/drawing/2014/main" id="{C1BDC090-DDD1-0A4D-8328-4DDD28D29DB4}"/>
+                <a16:creationId xmlns:a16="http://schemas.microsoft.com/office/drawing/2014/main" xmlns="" id="{C1BDC090-DDD1-0A4D-8328-4DDD28D29DB4}"/>
               </a:ext>
             </a:extLst>
           </p:cNvPr>
@@ -3364,7 +3016,7 @@
           <p:cNvPr id="3" name="부제목 2">
             <a:extLst>
               <a:ext uri="{FF2B5EF4-FFF2-40B4-BE49-F238E27FC236}">
-                <a16:creationId xmlns:a16="http://schemas.microsoft.com/office/drawing/2014/main" id="{6CFC8DAE-88C6-C74C-9782-B8C4E78E516C}"/>
+                <a16:creationId xmlns:a16="http://schemas.microsoft.com/office/drawing/2014/main" xmlns="" id="{6CFC8DAE-88C6-C74C-9782-B8C4E78E516C}"/>
               </a:ext>
             </a:extLst>
           </p:cNvPr>
@@ -3435,7 +3087,7 @@
           <p:cNvPr id="2" name="제목 1">
             <a:extLst>
               <a:ext uri="{FF2B5EF4-FFF2-40B4-BE49-F238E27FC236}">
-                <a16:creationId xmlns:a16="http://schemas.microsoft.com/office/drawing/2014/main" id="{A26C74B0-0B1D-7E4A-BA6F-A4D03A0CA71D}"/>
+                <a16:creationId xmlns:a16="http://schemas.microsoft.com/office/drawing/2014/main" xmlns="" id="{A26C74B0-0B1D-7E4A-BA6F-A4D03A0CA71D}"/>
               </a:ext>
             </a:extLst>
           </p:cNvPr>
@@ -3464,7 +3116,7 @@
           <p:cNvPr id="3" name="내용 개체 틀 2">
             <a:extLst>
               <a:ext uri="{FF2B5EF4-FFF2-40B4-BE49-F238E27FC236}">
-                <a16:creationId xmlns:a16="http://schemas.microsoft.com/office/drawing/2014/main" id="{EBEB05DD-81A0-A546-ACA8-5AB223866460}"/>
+                <a16:creationId xmlns:a16="http://schemas.microsoft.com/office/drawing/2014/main" xmlns="" id="{EBEB05DD-81A0-A546-ACA8-5AB223866460}"/>
               </a:ext>
             </a:extLst>
           </p:cNvPr>
@@ -3528,7 +3180,7 @@
           <p:cNvPr id="2" name="제목 1">
             <a:extLst>
               <a:ext uri="{FF2B5EF4-FFF2-40B4-BE49-F238E27FC236}">
-                <a16:creationId xmlns:a16="http://schemas.microsoft.com/office/drawing/2014/main" id="{409C1628-2280-D74B-BB6C-E3CE395A7F90}"/>
+                <a16:creationId xmlns:a16="http://schemas.microsoft.com/office/drawing/2014/main" xmlns="" id="{409C1628-2280-D74B-BB6C-E3CE395A7F90}"/>
               </a:ext>
             </a:extLst>
           </p:cNvPr>
@@ -3557,7 +3209,7 @@
           <p:cNvPr id="3" name="내용 개체 틀 2">
             <a:extLst>
               <a:ext uri="{FF2B5EF4-FFF2-40B4-BE49-F238E27FC236}">
-                <a16:creationId xmlns:a16="http://schemas.microsoft.com/office/drawing/2014/main" id="{F96D6E08-408A-3940-AEF5-679F4858CC5E}"/>
+                <a16:creationId xmlns:a16="http://schemas.microsoft.com/office/drawing/2014/main" xmlns="" id="{F96D6E08-408A-3940-AEF5-679F4858CC5E}"/>
               </a:ext>
             </a:extLst>
           </p:cNvPr>
@@ -3715,7 +3367,7 @@
           <p:cNvPr id="2" name="제목 1">
             <a:extLst>
               <a:ext uri="{FF2B5EF4-FFF2-40B4-BE49-F238E27FC236}">
-                <a16:creationId xmlns:a16="http://schemas.microsoft.com/office/drawing/2014/main" id="{A941C27B-A6EF-964A-8323-E64AF51735DB}"/>
+                <a16:creationId xmlns:a16="http://schemas.microsoft.com/office/drawing/2014/main" xmlns="" id="{A941C27B-A6EF-964A-8323-E64AF51735DB}"/>
               </a:ext>
             </a:extLst>
           </p:cNvPr>
@@ -3744,7 +3396,7 @@
           <p:cNvPr id="3" name="내용 개체 틀 2">
             <a:extLst>
               <a:ext uri="{FF2B5EF4-FFF2-40B4-BE49-F238E27FC236}">
-                <a16:creationId xmlns:a16="http://schemas.microsoft.com/office/drawing/2014/main" id="{54BBF106-7DB4-464A-B4EE-17FA6484C6DF}"/>
+                <a16:creationId xmlns:a16="http://schemas.microsoft.com/office/drawing/2014/main" xmlns="" id="{54BBF106-7DB4-464A-B4EE-17FA6484C6DF}"/>
               </a:ext>
             </a:extLst>
           </p:cNvPr>
@@ -3868,7 +3520,7 @@
           <p:cNvPr id="2" name="제목 1">
             <a:extLst>
               <a:ext uri="{FF2B5EF4-FFF2-40B4-BE49-F238E27FC236}">
-                <a16:creationId xmlns:a16="http://schemas.microsoft.com/office/drawing/2014/main" id="{7D253E39-2BCA-364D-BBB5-95D099A5BC22}"/>
+                <a16:creationId xmlns:a16="http://schemas.microsoft.com/office/drawing/2014/main" xmlns="" id="{7D253E39-2BCA-364D-BBB5-95D099A5BC22}"/>
               </a:ext>
             </a:extLst>
           </p:cNvPr>
@@ -3897,7 +3549,7 @@
           <p:cNvPr id="5" name="표 5">
             <a:extLst>
               <a:ext uri="{FF2B5EF4-FFF2-40B4-BE49-F238E27FC236}">
-                <a16:creationId xmlns:a16="http://schemas.microsoft.com/office/drawing/2014/main" id="{B62AC41B-9019-744D-87DA-2D37B79630A4}"/>
+                <a16:creationId xmlns:a16="http://schemas.microsoft.com/office/drawing/2014/main" xmlns="" id="{B62AC41B-9019-744D-87DA-2D37B79630A4}"/>
               </a:ext>
             </a:extLst>
           </p:cNvPr>
@@ -3927,28 +3579,28 @@
                 <a:gridCol w="1472976">
                   <a:extLst>
                     <a:ext uri="{9D8B030D-6E8A-4147-A177-3AD203B41FA5}">
-                      <a16:colId xmlns:a16="http://schemas.microsoft.com/office/drawing/2014/main" val="1048614727"/>
+                      <a16:colId xmlns:a16="http://schemas.microsoft.com/office/drawing/2014/main" xmlns="" val="1048614727"/>
                     </a:ext>
                   </a:extLst>
                 </a:gridCol>
                 <a:gridCol w="3038590">
                   <a:extLst>
                     <a:ext uri="{9D8B030D-6E8A-4147-A177-3AD203B41FA5}">
-                      <a16:colId xmlns:a16="http://schemas.microsoft.com/office/drawing/2014/main" val="4248639636"/>
+                      <a16:colId xmlns:a16="http://schemas.microsoft.com/office/drawing/2014/main" xmlns="" val="4248639636"/>
                     </a:ext>
                   </a:extLst>
                 </a:gridCol>
                 <a:gridCol w="2963917">
                   <a:extLst>
                     <a:ext uri="{9D8B030D-6E8A-4147-A177-3AD203B41FA5}">
-                      <a16:colId xmlns:a16="http://schemas.microsoft.com/office/drawing/2014/main" val="4041832427"/>
+                      <a16:colId xmlns:a16="http://schemas.microsoft.com/office/drawing/2014/main" xmlns="" val="4041832427"/>
                     </a:ext>
                   </a:extLst>
                 </a:gridCol>
                 <a:gridCol w="3040117">
                   <a:extLst>
                     <a:ext uri="{9D8B030D-6E8A-4147-A177-3AD203B41FA5}">
-                      <a16:colId xmlns:a16="http://schemas.microsoft.com/office/drawing/2014/main" val="1035634194"/>
+                      <a16:colId xmlns:a16="http://schemas.microsoft.com/office/drawing/2014/main" xmlns="" val="1035634194"/>
                     </a:ext>
                   </a:extLst>
                 </a:gridCol>
@@ -4012,7 +3664,7 @@
                 </a:tc>
                 <a:extLst>
                   <a:ext uri="{0D108BD9-81ED-4DB2-BD59-A6C34878D82A}">
-                    <a16:rowId xmlns:a16="http://schemas.microsoft.com/office/drawing/2014/main" val="13387971"/>
+                    <a16:rowId xmlns:a16="http://schemas.microsoft.com/office/drawing/2014/main" xmlns="" val="13387971"/>
                   </a:ext>
                 </a:extLst>
               </a:tr>
@@ -4075,7 +3727,7 @@
                 </a:tc>
                 <a:extLst>
                   <a:ext uri="{0D108BD9-81ED-4DB2-BD59-A6C34878D82A}">
-                    <a16:rowId xmlns:a16="http://schemas.microsoft.com/office/drawing/2014/main" val="2969249267"/>
+                    <a16:rowId xmlns:a16="http://schemas.microsoft.com/office/drawing/2014/main" xmlns="" val="2969249267"/>
                   </a:ext>
                 </a:extLst>
               </a:tr>
@@ -4134,7 +3786,7 @@
                 </a:tc>
                 <a:extLst>
                   <a:ext uri="{0D108BD9-81ED-4DB2-BD59-A6C34878D82A}">
-                    <a16:rowId xmlns:a16="http://schemas.microsoft.com/office/drawing/2014/main" val="719676226"/>
+                    <a16:rowId xmlns:a16="http://schemas.microsoft.com/office/drawing/2014/main" xmlns="" val="719676226"/>
                   </a:ext>
                 </a:extLst>
               </a:tr>
@@ -4193,7 +3845,7 @@
                 </a:tc>
                 <a:extLst>
                   <a:ext uri="{0D108BD9-81ED-4DB2-BD59-A6C34878D82A}">
-                    <a16:rowId xmlns:a16="http://schemas.microsoft.com/office/drawing/2014/main" val="488346280"/>
+                    <a16:rowId xmlns:a16="http://schemas.microsoft.com/office/drawing/2014/main" xmlns="" val="488346280"/>
                   </a:ext>
                 </a:extLst>
               </a:tr>
@@ -4252,7 +3904,7 @@
                 </a:tc>
                 <a:extLst>
                   <a:ext uri="{0D108BD9-81ED-4DB2-BD59-A6C34878D82A}">
-                    <a16:rowId xmlns:a16="http://schemas.microsoft.com/office/drawing/2014/main" val="644293905"/>
+                    <a16:rowId xmlns:a16="http://schemas.microsoft.com/office/drawing/2014/main" xmlns="" val="644293905"/>
                   </a:ext>
                 </a:extLst>
               </a:tr>
@@ -4311,7 +3963,7 @@
                 </a:tc>
                 <a:extLst>
                   <a:ext uri="{0D108BD9-81ED-4DB2-BD59-A6C34878D82A}">
-                    <a16:rowId xmlns:a16="http://schemas.microsoft.com/office/drawing/2014/main" val="1880338203"/>
+                    <a16:rowId xmlns:a16="http://schemas.microsoft.com/office/drawing/2014/main" xmlns="" val="1880338203"/>
                   </a:ext>
                 </a:extLst>
               </a:tr>
@@ -4382,7 +4034,7 @@
                 </a:tc>
                 <a:extLst>
                   <a:ext uri="{0D108BD9-81ED-4DB2-BD59-A6C34878D82A}">
-                    <a16:rowId xmlns:a16="http://schemas.microsoft.com/office/drawing/2014/main" val="1344208039"/>
+                    <a16:rowId xmlns:a16="http://schemas.microsoft.com/office/drawing/2014/main" xmlns="" val="1344208039"/>
                   </a:ext>
                 </a:extLst>
               </a:tr>
@@ -4441,7 +4093,7 @@
                 </a:tc>
                 <a:extLst>
                   <a:ext uri="{0D108BD9-81ED-4DB2-BD59-A6C34878D82A}">
-                    <a16:rowId xmlns:a16="http://schemas.microsoft.com/office/drawing/2014/main" val="3812516974"/>
+                    <a16:rowId xmlns:a16="http://schemas.microsoft.com/office/drawing/2014/main" xmlns="" val="3812516974"/>
                   </a:ext>
                 </a:extLst>
               </a:tr>
@@ -4508,7 +4160,7 @@
                 </a:tc>
                 <a:extLst>
                   <a:ext uri="{0D108BD9-81ED-4DB2-BD59-A6C34878D82A}">
-                    <a16:rowId xmlns:a16="http://schemas.microsoft.com/office/drawing/2014/main" val="3174995086"/>
+                    <a16:rowId xmlns:a16="http://schemas.microsoft.com/office/drawing/2014/main" xmlns="" val="3174995086"/>
                   </a:ext>
                 </a:extLst>
               </a:tr>
@@ -4604,7 +4256,7 @@
                 </a:tc>
                 <a:extLst>
                   <a:ext uri="{0D108BD9-81ED-4DB2-BD59-A6C34878D82A}">
-                    <a16:rowId xmlns:a16="http://schemas.microsoft.com/office/drawing/2014/main" val="3855349014"/>
+                    <a16:rowId xmlns:a16="http://schemas.microsoft.com/office/drawing/2014/main" xmlns="" val="3855349014"/>
                   </a:ext>
                 </a:extLst>
               </a:tr>
@@ -4647,7 +4299,7 @@
           <p:cNvPr id="2" name="제목 1">
             <a:extLst>
               <a:ext uri="{FF2B5EF4-FFF2-40B4-BE49-F238E27FC236}">
-                <a16:creationId xmlns:a16="http://schemas.microsoft.com/office/drawing/2014/main" id="{A8BEE73C-EE5D-B845-B2D2-1F16DFA6C705}"/>
+                <a16:creationId xmlns:a16="http://schemas.microsoft.com/office/drawing/2014/main" xmlns="" id="{A8BEE73C-EE5D-B845-B2D2-1F16DFA6C705}"/>
               </a:ext>
             </a:extLst>
           </p:cNvPr>
@@ -4676,7 +4328,7 @@
           <p:cNvPr id="3" name="내용 개체 틀 2">
             <a:extLst>
               <a:ext uri="{FF2B5EF4-FFF2-40B4-BE49-F238E27FC236}">
-                <a16:creationId xmlns:a16="http://schemas.microsoft.com/office/drawing/2014/main" id="{EB7E2E55-4F60-3A4A-8245-D23336D96945}"/>
+                <a16:creationId xmlns:a16="http://schemas.microsoft.com/office/drawing/2014/main" xmlns="" id="{EB7E2E55-4F60-3A4A-8245-D23336D96945}"/>
               </a:ext>
             </a:extLst>
           </p:cNvPr>
@@ -4898,7 +4550,7 @@
           <p:cNvPr id="2" name="제목 1">
             <a:extLst>
               <a:ext uri="{FF2B5EF4-FFF2-40B4-BE49-F238E27FC236}">
-                <a16:creationId xmlns:a16="http://schemas.microsoft.com/office/drawing/2014/main" id="{A8BEE73C-EE5D-B845-B2D2-1F16DFA6C705}"/>
+                <a16:creationId xmlns:a16="http://schemas.microsoft.com/office/drawing/2014/main" xmlns="" id="{A8BEE73C-EE5D-B845-B2D2-1F16DFA6C705}"/>
               </a:ext>
             </a:extLst>
           </p:cNvPr>
@@ -4927,7 +4579,7 @@
           <p:cNvPr id="3" name="내용 개체 틀 2">
             <a:extLst>
               <a:ext uri="{FF2B5EF4-FFF2-40B4-BE49-F238E27FC236}">
-                <a16:creationId xmlns:a16="http://schemas.microsoft.com/office/drawing/2014/main" id="{EB7E2E55-4F60-3A4A-8245-D23336D96945}"/>
+                <a16:creationId xmlns:a16="http://schemas.microsoft.com/office/drawing/2014/main" xmlns="" id="{EB7E2E55-4F60-3A4A-8245-D23336D96945}"/>
               </a:ext>
             </a:extLst>
           </p:cNvPr>
@@ -5083,7 +4735,7 @@
           <p:cNvPr id="2" name="제목 1">
             <a:extLst>
               <a:ext uri="{FF2B5EF4-FFF2-40B4-BE49-F238E27FC236}">
-                <a16:creationId xmlns:a16="http://schemas.microsoft.com/office/drawing/2014/main" id="{C6A7F343-C81D-3E41-829A-20A7705AC85A}"/>
+                <a16:creationId xmlns:a16="http://schemas.microsoft.com/office/drawing/2014/main" xmlns="" id="{C6A7F343-C81D-3E41-829A-20A7705AC85A}"/>
               </a:ext>
             </a:extLst>
           </p:cNvPr>
@@ -5126,7 +4778,7 @@
           <p:cNvPr id="3" name="내용 개체 틀 2">
             <a:extLst>
               <a:ext uri="{FF2B5EF4-FFF2-40B4-BE49-F238E27FC236}">
-                <a16:creationId xmlns:a16="http://schemas.microsoft.com/office/drawing/2014/main" id="{276C93FC-38F3-A947-95BC-1FACC825F9F4}"/>
+                <a16:creationId xmlns:a16="http://schemas.microsoft.com/office/drawing/2014/main" xmlns="" id="{276C93FC-38F3-A947-95BC-1FACC825F9F4}"/>
               </a:ext>
             </a:extLst>
           </p:cNvPr>
@@ -5226,7 +4878,7 @@
           <p:cNvPr id="4" name="그림 3">
             <a:extLst>
               <a:ext uri="{FF2B5EF4-FFF2-40B4-BE49-F238E27FC236}">
-                <a16:creationId xmlns:a16="http://schemas.microsoft.com/office/drawing/2014/main" id="{F2E8C77B-1A2A-A744-AF96-90C1427DB466}"/>
+                <a16:creationId xmlns:a16="http://schemas.microsoft.com/office/drawing/2014/main" xmlns="" id="{F2E8C77B-1A2A-A744-AF96-90C1427DB466}"/>
               </a:ext>
             </a:extLst>
           </p:cNvPr>
@@ -5286,7 +4938,7 @@
           <p:cNvPr id="2" name="제목 1">
             <a:extLst>
               <a:ext uri="{FF2B5EF4-FFF2-40B4-BE49-F238E27FC236}">
-                <a16:creationId xmlns:a16="http://schemas.microsoft.com/office/drawing/2014/main" id="{5B8F4D82-E676-F148-ADDF-752283C61CD0}"/>
+                <a16:creationId xmlns:a16="http://schemas.microsoft.com/office/drawing/2014/main" xmlns="" id="{5B8F4D82-E676-F148-ADDF-752283C61CD0}"/>
               </a:ext>
             </a:extLst>
           </p:cNvPr>
@@ -5315,7 +4967,7 @@
           <p:cNvPr id="3" name="내용 개체 틀 2">
             <a:extLst>
               <a:ext uri="{FF2B5EF4-FFF2-40B4-BE49-F238E27FC236}">
-                <a16:creationId xmlns:a16="http://schemas.microsoft.com/office/drawing/2014/main" id="{7C61398A-761E-A142-83FF-E9F775093FB0}"/>
+                <a16:creationId xmlns:a16="http://schemas.microsoft.com/office/drawing/2014/main" xmlns="" id="{7C61398A-761E-A142-83FF-E9F775093FB0}"/>
               </a:ext>
             </a:extLst>
           </p:cNvPr>
@@ -5400,7 +5052,7 @@
           <p:cNvPr id="4" name="그림 3">
             <a:extLst>
               <a:ext uri="{FF2B5EF4-FFF2-40B4-BE49-F238E27FC236}">
-                <a16:creationId xmlns:a16="http://schemas.microsoft.com/office/drawing/2014/main" id="{EC4A5360-2EF8-EF42-AB3A-20C659EDD98A}"/>
+                <a16:creationId xmlns:a16="http://schemas.microsoft.com/office/drawing/2014/main" xmlns="" id="{EC4A5360-2EF8-EF42-AB3A-20C659EDD98A}"/>
               </a:ext>
             </a:extLst>
           </p:cNvPr>
@@ -5468,7 +5120,7 @@
           <p:cNvPr id="2" name="제목 1">
             <a:extLst>
               <a:ext uri="{FF2B5EF4-FFF2-40B4-BE49-F238E27FC236}">
-                <a16:creationId xmlns:a16="http://schemas.microsoft.com/office/drawing/2014/main" id="{A8CEAB47-7602-2542-8FC2-B0D7BEC8679A}"/>
+                <a16:creationId xmlns:a16="http://schemas.microsoft.com/office/drawing/2014/main" xmlns="" id="{A8CEAB47-7602-2542-8FC2-B0D7BEC8679A}"/>
               </a:ext>
             </a:extLst>
           </p:cNvPr>
@@ -5504,7 +5156,7 @@
           <p:cNvPr id="3" name="내용 개체 틀 2">
             <a:extLst>
               <a:ext uri="{FF2B5EF4-FFF2-40B4-BE49-F238E27FC236}">
-                <a16:creationId xmlns:a16="http://schemas.microsoft.com/office/drawing/2014/main" id="{AE088959-C5DB-2946-978A-3F485793D815}"/>
+                <a16:creationId xmlns:a16="http://schemas.microsoft.com/office/drawing/2014/main" xmlns="" id="{AE088959-C5DB-2946-978A-3F485793D815}"/>
               </a:ext>
             </a:extLst>
           </p:cNvPr>
@@ -5607,10 +5259,10 @@
           <p:cNvPr id="20" name="Rectangle 19">
             <a:extLst>
               <a:ext uri="{FF2B5EF4-FFF2-40B4-BE49-F238E27FC236}">
-                <a16:creationId xmlns:a16="http://schemas.microsoft.com/office/drawing/2014/main" id="{46F7435D-E3DB-47B1-BA61-B00ACC83A9DE}"/>
+                <a16:creationId xmlns:a16="http://schemas.microsoft.com/office/drawing/2014/main" xmlns="" id="{46F7435D-E3DB-47B1-BA61-B00ACC83A9DE}"/>
               </a:ext>
               <a:ext uri="{C183D7F6-B498-43B3-948B-1728B52AA6E4}">
-                <adec:decorative xmlns:adec="http://schemas.microsoft.com/office/drawing/2017/decorative" val="1"/>
+                <adec:decorative xmlns:adec="http://schemas.microsoft.com/office/drawing/2017/decorative" xmlns="" val="1"/>
               </a:ext>
             </a:extLst>
           </p:cNvPr>
@@ -5620,7 +5272,7 @@
           <p:nvPr>
             <p:extLst>
               <p:ext uri="{386F3935-93C4-4BCD-93E2-E3B085C9AB24}">
-                <p16:designElem xmlns:p16="http://schemas.microsoft.com/office/powerpoint/2015/main" val="1"/>
+                <p16:designElem xmlns:p16="http://schemas.microsoft.com/office/powerpoint/2015/main" xmlns="" val="1"/>
               </p:ext>
             </p:extLst>
           </p:nvPr>
@@ -5670,10 +5322,10 @@
           <p:cNvPr id="22" name="Rounded Rectangle 9">
             <a:extLst>
               <a:ext uri="{FF2B5EF4-FFF2-40B4-BE49-F238E27FC236}">
-                <a16:creationId xmlns:a16="http://schemas.microsoft.com/office/drawing/2014/main" id="{F263A0B5-F8C4-4116-809F-78A768EA79A6}"/>
+                <a16:creationId xmlns:a16="http://schemas.microsoft.com/office/drawing/2014/main" xmlns="" id="{F263A0B5-F8C4-4116-809F-78A768EA79A6}"/>
               </a:ext>
               <a:ext uri="{C183D7F6-B498-43B3-948B-1728B52AA6E4}">
-                <adec:decorative xmlns:adec="http://schemas.microsoft.com/office/drawing/2017/decorative" val="1"/>
+                <adec:decorative xmlns:adec="http://schemas.microsoft.com/office/drawing/2017/decorative" xmlns="" val="1"/>
               </a:ext>
             </a:extLst>
           </p:cNvPr>
@@ -5683,7 +5335,7 @@
           <p:nvPr>
             <p:extLst>
               <p:ext uri="{386F3935-93C4-4BCD-93E2-E3B085C9AB24}">
-                <p16:designElem xmlns:p16="http://schemas.microsoft.com/office/powerpoint/2015/main" val="1"/>
+                <p16:designElem xmlns:p16="http://schemas.microsoft.com/office/powerpoint/2015/main" xmlns="" val="1"/>
               </p:ext>
             </p:extLst>
           </p:nvPr>
@@ -5744,7 +5396,7 @@
           <p:cNvPr id="5" name="그림 4">
             <a:extLst>
               <a:ext uri="{FF2B5EF4-FFF2-40B4-BE49-F238E27FC236}">
-                <a16:creationId xmlns:a16="http://schemas.microsoft.com/office/drawing/2014/main" id="{D5BF4458-9D58-E748-81C9-1B0B1993AC21}"/>
+                <a16:creationId xmlns:a16="http://schemas.microsoft.com/office/drawing/2014/main" xmlns="" id="{D5BF4458-9D58-E748-81C9-1B0B1993AC21}"/>
               </a:ext>
             </a:extLst>
           </p:cNvPr>
@@ -5784,9 +5436,9 @@
 </file>
 
 <file path=ppt/theme/theme1.xml><?xml version="1.0" encoding="utf-8"?>
-<a:theme xmlns:a="http://schemas.openxmlformats.org/drawingml/2006/main" name="Office 테마">
+<a:theme xmlns:a="http://schemas.openxmlformats.org/drawingml/2006/main" name="Office Theme">
   <a:themeElements>
-    <a:clrScheme name="Office">
+    <a:clrScheme name="Office 테마">
       <a:dk1>
         <a:sysClr val="windowText" lastClr="000000"/>
       </a:dk1>
@@ -5800,22 +5452,22 @@
         <a:srgbClr val="E7E6E6"/>
       </a:lt2>
       <a:accent1>
-        <a:srgbClr val="4472C4"/>
+        <a:srgbClr val="29AF8C"/>
       </a:accent1>
       <a:accent2>
-        <a:srgbClr val="ED7D31"/>
+        <a:srgbClr val="97BE49"/>
       </a:accent2>
       <a:accent3>
-        <a:srgbClr val="A5A5A5"/>
+        <a:srgbClr val="3D9CCC"/>
       </a:accent3>
       <a:accent4>
-        <a:srgbClr val="FFC000"/>
+        <a:srgbClr val="7C60C6"/>
       </a:accent4>
       <a:accent5>
-        <a:srgbClr val="5B9BD5"/>
+        <a:srgbClr val="C9492C"/>
       </a:accent5>
       <a:accent6>
-        <a:srgbClr val="70AD47"/>
+        <a:srgbClr val="D58C2E"/>
       </a:accent6>
       <a:hlink>
         <a:srgbClr val="0563C1"/>
@@ -5824,14 +5476,14 @@
         <a:srgbClr val="954F72"/>
       </a:folHlink>
     </a:clrScheme>
-    <a:fontScheme name="Office">
+    <a:fontScheme name="Office 테마">
       <a:majorFont>
-        <a:latin typeface="맑은 고딕" panose="020F0302020204030204"/>
+        <a:latin typeface="Calibri Light" panose="020F0302020204030204"/>
         <a:ea typeface=""/>
         <a:cs typeface=""/>
-        <a:font script="Jpan" typeface="游ゴシック Light"/>
+        <a:font script="Jpan" typeface="ＭＳ Ｐゴシック"/>
         <a:font script="Hang" typeface="맑은 고딕"/>
-        <a:font script="Hans" typeface="等线 Light"/>
+        <a:font script="Hans" typeface="宋体"/>
         <a:font script="Hant" typeface="新細明體"/>
         <a:font script="Arab" typeface="Times New Roman"/>
         <a:font script="Hebr" typeface="Times New Roman"/>
@@ -5859,31 +5511,14 @@
         <a:font script="Viet" typeface="Times New Roman"/>
         <a:font script="Uigh" typeface="Microsoft Uighur"/>
         <a:font script="Geor" typeface="Sylfaen"/>
-        <a:font script="Armn" typeface="Arial"/>
-        <a:font script="Bugi" typeface="Leelawadee UI"/>
-        <a:font script="Bopo" typeface="Microsoft JhengHei"/>
-        <a:font script="Java" typeface="Javanese Text"/>
-        <a:font script="Lisu" typeface="Segoe UI"/>
-        <a:font script="Mymr" typeface="Myanmar Text"/>
-        <a:font script="Nkoo" typeface="Ebrima"/>
-        <a:font script="Olck" typeface="Nirmala UI"/>
-        <a:font script="Osma" typeface="Ebrima"/>
-        <a:font script="Phag" typeface="Phagspa"/>
-        <a:font script="Syrn" typeface="Estrangelo Edessa"/>
-        <a:font script="Syrj" typeface="Estrangelo Edessa"/>
-        <a:font script="Syre" typeface="Estrangelo Edessa"/>
-        <a:font script="Sora" typeface="Nirmala UI"/>
-        <a:font script="Tale" typeface="Microsoft Tai Le"/>
-        <a:font script="Talu" typeface="Microsoft New Tai Lue"/>
-        <a:font script="Tfng" typeface="Ebrima"/>
       </a:majorFont>
       <a:minorFont>
-        <a:latin typeface="맑은 고딕" panose="020F0502020204030204"/>
+        <a:latin typeface="Calibri" panose="020F0502020204030204"/>
         <a:ea typeface=""/>
         <a:cs typeface=""/>
-        <a:font script="Jpan" typeface="游ゴシック"/>
+        <a:font script="Jpan" typeface="ＭＳ Ｐゴシック"/>
         <a:font script="Hang" typeface="맑은 고딕"/>
-        <a:font script="Hans" typeface="等线"/>
+        <a:font script="Hans" typeface="宋体"/>
         <a:font script="Hant" typeface="新細明體"/>
         <a:font script="Arab" typeface="Arial"/>
         <a:font script="Hebr" typeface="Arial"/>
@@ -5911,26 +5546,9 @@
         <a:font script="Viet" typeface="Arial"/>
         <a:font script="Uigh" typeface="Microsoft Uighur"/>
         <a:font script="Geor" typeface="Sylfaen"/>
-        <a:font script="Armn" typeface="Arial"/>
-        <a:font script="Bugi" typeface="Leelawadee UI"/>
-        <a:font script="Bopo" typeface="Microsoft JhengHei"/>
-        <a:font script="Java" typeface="Javanese Text"/>
-        <a:font script="Lisu" typeface="Segoe UI"/>
-        <a:font script="Mymr" typeface="Myanmar Text"/>
-        <a:font script="Nkoo" typeface="Ebrima"/>
-        <a:font script="Olck" typeface="Nirmala UI"/>
-        <a:font script="Osma" typeface="Ebrima"/>
-        <a:font script="Phag" typeface="Phagspa"/>
-        <a:font script="Syrn" typeface="Estrangelo Edessa"/>
-        <a:font script="Syrj" typeface="Estrangelo Edessa"/>
-        <a:font script="Syre" typeface="Estrangelo Edessa"/>
-        <a:font script="Sora" typeface="Nirmala UI"/>
-        <a:font script="Tale" typeface="Microsoft Tai Le"/>
-        <a:font script="Talu" typeface="Microsoft New Tai Lue"/>
-        <a:font script="Tfng" typeface="Ebrima"/>
       </a:minorFont>
     </a:fontScheme>
-    <a:fmtScheme name="Office">
+    <a:fmtScheme name="Office 테마">
       <a:fillStyleLst>
         <a:solidFill>
           <a:schemeClr val="phClr"/>
@@ -6072,7 +5690,7 @@
   <a:extraClrSchemeLst/>
   <a:extLst>
     <a:ext uri="{05A4C25C-085E-4340-85A3-A5531E510DB2}">
-      <thm15:themeFamily xmlns:thm15="http://schemas.microsoft.com/office/thememl/2012/main" name="Office Theme" id="{62F939B6-93AF-4DB8-9C6B-D6C7DFDC589F}" vid="{4A3C46E8-61CC-4603-A589-7422A47A8E4A}"/>
+      <thm15:themeFamily xmlns:thm15="http://schemas.microsoft.com/office/thememl/2012/main" name="Office Theme" id="{62F939B6-93AF-4DB8-9C6B-D6C7DFDC589F}" vid="{3E4F19A7-A959-40BB-972C-4880BAF8EB09}"/>
     </a:ext>
   </a:extLst>
 </a:theme>
